--- a/Estrogen as an immunomodulator and its role in.pptx
+++ b/Estrogen as an immunomodulator and its role in.pptx
@@ -11,12 +11,14 @@
     <p:sldId id="259" r:id="rId5"/>
     <p:sldId id="267" r:id="rId6"/>
     <p:sldId id="262" r:id="rId7"/>
-    <p:sldId id="260" r:id="rId8"/>
-    <p:sldId id="265" r:id="rId9"/>
-    <p:sldId id="266" r:id="rId10"/>
-    <p:sldId id="263" r:id="rId11"/>
-    <p:sldId id="261" r:id="rId12"/>
-    <p:sldId id="264" r:id="rId13"/>
+    <p:sldId id="268" r:id="rId8"/>
+    <p:sldId id="260" r:id="rId9"/>
+    <p:sldId id="265" r:id="rId10"/>
+    <p:sldId id="266" r:id="rId11"/>
+    <p:sldId id="263" r:id="rId12"/>
+    <p:sldId id="261" r:id="rId13"/>
+    <p:sldId id="264" r:id="rId14"/>
+    <p:sldId id="269" r:id="rId15"/>
   </p:sldIdLst>
   <p:sldSz cx="12192000" cy="6858000"/>
   <p:notesSz cx="6858000" cy="9144000"/>
@@ -3083,6 +3085,102 @@
 </file>
 
 <file path=ppt/slides/slide10.xml><?xml version="1.0" encoding="utf-8"?>
+<p:sld xmlns:a="http://schemas.openxmlformats.org/drawingml/2006/main" xmlns:r="http://schemas.openxmlformats.org/officeDocument/2006/relationships" xmlns:p="http://schemas.openxmlformats.org/presentationml/2006/main">
+  <p:cSld>
+    <p:spTree>
+      <p:nvGrpSpPr>
+        <p:cNvPr id="1" name=""/>
+        <p:cNvGrpSpPr/>
+        <p:nvPr/>
+      </p:nvGrpSpPr>
+      <p:grpSpPr>
+        <a:xfrm>
+          <a:off x="0" y="0"/>
+          <a:ext cx="0" cy="0"/>
+          <a:chOff x="0" y="0"/>
+          <a:chExt cx="0" cy="0"/>
+        </a:xfrm>
+      </p:grpSpPr>
+      <p:sp>
+        <p:nvSpPr>
+          <p:cNvPr id="2" name="標題 1"/>
+          <p:cNvSpPr>
+            <a:spLocks noGrp="1"/>
+          </p:cNvSpPr>
+          <p:nvPr>
+            <p:ph type="title"/>
+          </p:nvPr>
+        </p:nvSpPr>
+        <p:spPr/>
+        <p:txBody>
+          <a:bodyPr/>
+          <a:lstStyle/>
+          <a:p>
+            <a:r>
+              <a:rPr lang="en-US" altLang="zh-TW" dirty="0" smtClean="0"/>
+              <a:t>Trials</a:t>
+            </a:r>
+            <a:endParaRPr lang="zh-TW" altLang="en-US" dirty="0"/>
+          </a:p>
+        </p:txBody>
+      </p:sp>
+      <p:sp>
+        <p:nvSpPr>
+          <p:cNvPr id="3" name="內容版面配置區 2"/>
+          <p:cNvSpPr>
+            <a:spLocks noGrp="1"/>
+          </p:cNvSpPr>
+          <p:nvPr>
+            <p:ph idx="1"/>
+          </p:nvPr>
+        </p:nvSpPr>
+        <p:spPr/>
+        <p:txBody>
+          <a:bodyPr/>
+          <a:lstStyle/>
+          <a:p>
+            <a:endParaRPr lang="zh-TW" altLang="en-US"/>
+          </a:p>
+        </p:txBody>
+      </p:sp>
+      <p:pic>
+        <p:nvPicPr>
+          <p:cNvPr id="4" name="圖片 3"/>
+          <p:cNvPicPr>
+            <a:picLocks noChangeAspect="1"/>
+          </p:cNvPicPr>
+          <p:nvPr/>
+        </p:nvPicPr>
+        <p:blipFill>
+          <a:blip r:embed="rId2"/>
+          <a:stretch>
+            <a:fillRect/>
+          </a:stretch>
+        </p:blipFill>
+        <p:spPr>
+          <a:xfrm>
+            <a:off x="3384135" y="1695912"/>
+            <a:ext cx="5430539" cy="5162088"/>
+          </a:xfrm>
+          <a:prstGeom prst="rect">
+            <a:avLst/>
+          </a:prstGeom>
+        </p:spPr>
+      </p:pic>
+    </p:spTree>
+    <p:extLst>
+      <p:ext uri="{BB962C8B-B14F-4D97-AF65-F5344CB8AC3E}">
+        <p14:creationId xmlns:p14="http://schemas.microsoft.com/office/powerpoint/2010/main" val="1151798183"/>
+      </p:ext>
+    </p:extLst>
+  </p:cSld>
+  <p:clrMapOvr>
+    <a:masterClrMapping/>
+  </p:clrMapOvr>
+</p:sld>
+</file>
+
+<file path=ppt/slides/slide11.xml><?xml version="1.0" encoding="utf-8"?>
 <p:sld xmlns:a="http://schemas.openxmlformats.org/drawingml/2006/main" xmlns:r="http://schemas.openxmlformats.org/officeDocument/2006/relationships" xmlns:p="http://schemas.openxmlformats.org/presentationml/2006/main" show="0">
   <p:cSld>
     <p:spTree>
@@ -3186,7 +3284,7 @@
 </p:sld>
 </file>
 
-<file path=ppt/slides/slide11.xml><?xml version="1.0" encoding="utf-8"?>
+<file path=ppt/slides/slide12.xml><?xml version="1.0" encoding="utf-8"?>
 <p:sld xmlns:a="http://schemas.openxmlformats.org/drawingml/2006/main" xmlns:r="http://schemas.openxmlformats.org/officeDocument/2006/relationships" xmlns:p="http://schemas.openxmlformats.org/presentationml/2006/main">
   <p:cSld>
     <p:spTree>
@@ -3355,7 +3453,7 @@
 </p:sld>
 </file>
 
-<file path=ppt/slides/slide12.xml><?xml version="1.0" encoding="utf-8"?>
+<file path=ppt/slides/slide13.xml><?xml version="1.0" encoding="utf-8"?>
 <p:sld xmlns:a="http://schemas.openxmlformats.org/drawingml/2006/main" xmlns:r="http://schemas.openxmlformats.org/officeDocument/2006/relationships" xmlns:p="http://schemas.openxmlformats.org/presentationml/2006/main">
   <p:cSld>
     <p:spTree>
@@ -3442,6 +3540,102 @@
     <p:extLst>
       <p:ext uri="{BB962C8B-B14F-4D97-AF65-F5344CB8AC3E}">
         <p14:creationId xmlns:p14="http://schemas.microsoft.com/office/powerpoint/2010/main" val="3153407654"/>
+      </p:ext>
+    </p:extLst>
+  </p:cSld>
+  <p:clrMapOvr>
+    <a:masterClrMapping/>
+  </p:clrMapOvr>
+</p:sld>
+</file>
+
+<file path=ppt/slides/slide14.xml><?xml version="1.0" encoding="utf-8"?>
+<p:sld xmlns:a="http://schemas.openxmlformats.org/drawingml/2006/main" xmlns:r="http://schemas.openxmlformats.org/officeDocument/2006/relationships" xmlns:p="http://schemas.openxmlformats.org/presentationml/2006/main">
+  <p:cSld>
+    <p:spTree>
+      <p:nvGrpSpPr>
+        <p:cNvPr id="1" name=""/>
+        <p:cNvGrpSpPr/>
+        <p:nvPr/>
+      </p:nvGrpSpPr>
+      <p:grpSpPr>
+        <a:xfrm>
+          <a:off x="0" y="0"/>
+          <a:ext cx="0" cy="0"/>
+          <a:chOff x="0" y="0"/>
+          <a:chExt cx="0" cy="0"/>
+        </a:xfrm>
+      </p:grpSpPr>
+      <p:sp>
+        <p:nvSpPr>
+          <p:cNvPr id="2" name="標題 1"/>
+          <p:cNvSpPr>
+            <a:spLocks noGrp="1"/>
+          </p:cNvSpPr>
+          <p:nvPr>
+            <p:ph type="title"/>
+          </p:nvPr>
+        </p:nvSpPr>
+        <p:spPr/>
+        <p:txBody>
+          <a:bodyPr/>
+          <a:lstStyle/>
+          <a:p>
+            <a:r>
+              <a:rPr lang="en-US" altLang="zh-TW" dirty="0" smtClean="0"/>
+              <a:t>PRISMA Flow Diagram</a:t>
+            </a:r>
+            <a:endParaRPr lang="zh-TW" altLang="en-US" dirty="0"/>
+          </a:p>
+        </p:txBody>
+      </p:sp>
+      <p:sp>
+        <p:nvSpPr>
+          <p:cNvPr id="3" name="內容版面配置區 2"/>
+          <p:cNvSpPr>
+            <a:spLocks noGrp="1"/>
+          </p:cNvSpPr>
+          <p:nvPr>
+            <p:ph idx="1"/>
+          </p:nvPr>
+        </p:nvSpPr>
+        <p:spPr/>
+        <p:txBody>
+          <a:bodyPr/>
+          <a:lstStyle/>
+          <a:p>
+            <a:endParaRPr lang="zh-TW" altLang="en-US"/>
+          </a:p>
+        </p:txBody>
+      </p:sp>
+      <p:pic>
+        <p:nvPicPr>
+          <p:cNvPr id="4" name="圖片 3"/>
+          <p:cNvPicPr>
+            <a:picLocks noChangeAspect="1"/>
+          </p:cNvPicPr>
+          <p:nvPr/>
+        </p:nvPicPr>
+        <p:blipFill>
+          <a:blip r:embed="rId2"/>
+          <a:stretch>
+            <a:fillRect/>
+          </a:stretch>
+        </p:blipFill>
+        <p:spPr>
+          <a:xfrm>
+            <a:off x="3409771" y="1690688"/>
+            <a:ext cx="5380157" cy="5165666"/>
+          </a:xfrm>
+          <a:prstGeom prst="rect">
+            <a:avLst/>
+          </a:prstGeom>
+        </p:spPr>
+      </p:pic>
+    </p:spTree>
+    <p:extLst>
+      <p:ext uri="{BB962C8B-B14F-4D97-AF65-F5344CB8AC3E}">
+        <p14:creationId xmlns:p14="http://schemas.microsoft.com/office/powerpoint/2010/main" val="97908569"/>
       </p:ext>
     </p:extLst>
   </p:cSld>
@@ -4446,6 +4640,102 @@
           <a:lstStyle/>
           <a:p>
             <a:r>
+              <a:rPr lang="en-US" altLang="zh-TW" dirty="0" err="1" smtClean="0"/>
+              <a:t>Embase</a:t>
+            </a:r>
+            <a:endParaRPr lang="zh-TW" altLang="en-US" dirty="0"/>
+          </a:p>
+        </p:txBody>
+      </p:sp>
+      <p:sp>
+        <p:nvSpPr>
+          <p:cNvPr id="3" name="內容版面配置區 2"/>
+          <p:cNvSpPr>
+            <a:spLocks noGrp="1"/>
+          </p:cNvSpPr>
+          <p:nvPr>
+            <p:ph idx="1"/>
+          </p:nvPr>
+        </p:nvSpPr>
+        <p:spPr/>
+        <p:txBody>
+          <a:bodyPr/>
+          <a:lstStyle/>
+          <a:p>
+            <a:endParaRPr lang="zh-TW" altLang="en-US"/>
+          </a:p>
+        </p:txBody>
+      </p:sp>
+      <p:pic>
+        <p:nvPicPr>
+          <p:cNvPr id="4" name="圖片 3"/>
+          <p:cNvPicPr>
+            <a:picLocks noChangeAspect="1"/>
+          </p:cNvPicPr>
+          <p:nvPr/>
+        </p:nvPicPr>
+        <p:blipFill>
+          <a:blip r:embed="rId2"/>
+          <a:stretch>
+            <a:fillRect/>
+          </a:stretch>
+        </p:blipFill>
+        <p:spPr>
+          <a:xfrm>
+            <a:off x="1520849" y="1687636"/>
+            <a:ext cx="9150301" cy="5170364"/>
+          </a:xfrm>
+          <a:prstGeom prst="rect">
+            <a:avLst/>
+          </a:prstGeom>
+        </p:spPr>
+      </p:pic>
+    </p:spTree>
+    <p:extLst>
+      <p:ext uri="{BB962C8B-B14F-4D97-AF65-F5344CB8AC3E}">
+        <p14:creationId xmlns:p14="http://schemas.microsoft.com/office/powerpoint/2010/main" val="139940586"/>
+      </p:ext>
+    </p:extLst>
+  </p:cSld>
+  <p:clrMapOvr>
+    <a:masterClrMapping/>
+  </p:clrMapOvr>
+</p:sld>
+</file>
+
+<file path=ppt/slides/slide8.xml><?xml version="1.0" encoding="utf-8"?>
+<p:sld xmlns:a="http://schemas.openxmlformats.org/drawingml/2006/main" xmlns:r="http://schemas.openxmlformats.org/officeDocument/2006/relationships" xmlns:p="http://schemas.openxmlformats.org/presentationml/2006/main">
+  <p:cSld>
+    <p:spTree>
+      <p:nvGrpSpPr>
+        <p:cNvPr id="1" name=""/>
+        <p:cNvGrpSpPr/>
+        <p:nvPr/>
+      </p:nvGrpSpPr>
+      <p:grpSpPr>
+        <a:xfrm>
+          <a:off x="0" y="0"/>
+          <a:ext cx="0" cy="0"/>
+          <a:chOff x="0" y="0"/>
+          <a:chExt cx="0" cy="0"/>
+        </a:xfrm>
+      </p:grpSpPr>
+      <p:sp>
+        <p:nvSpPr>
+          <p:cNvPr id="2" name="標題 1"/>
+          <p:cNvSpPr>
+            <a:spLocks noGrp="1"/>
+          </p:cNvSpPr>
+          <p:nvPr>
+            <p:ph type="title"/>
+          </p:nvPr>
+        </p:nvSpPr>
+        <p:spPr/>
+        <p:txBody>
+          <a:bodyPr/>
+          <a:lstStyle/>
+          <a:p>
+            <a:r>
               <a:rPr lang="en-US" altLang="zh-TW" b="1" dirty="0" smtClean="0"/>
               <a:t>Comprehensive Literature Search</a:t>
             </a:r>
@@ -4646,7 +4936,7 @@
 </p:sld>
 </file>
 
-<file path=ppt/slides/slide8.xml><?xml version="1.0" encoding="utf-8"?>
+<file path=ppt/slides/slide9.xml><?xml version="1.0" encoding="utf-8"?>
 <p:sld xmlns:a="http://schemas.openxmlformats.org/drawingml/2006/main" xmlns:r="http://schemas.openxmlformats.org/officeDocument/2006/relationships" xmlns:p="http://schemas.openxmlformats.org/presentationml/2006/main">
   <p:cSld>
     <p:spTree>
@@ -4746,102 +5036,6 @@
       </p:par>
     </p:tnLst>
   </p:timing>
-</p:sld>
-</file>
-
-<file path=ppt/slides/slide9.xml><?xml version="1.0" encoding="utf-8"?>
-<p:sld xmlns:a="http://schemas.openxmlformats.org/drawingml/2006/main" xmlns:r="http://schemas.openxmlformats.org/officeDocument/2006/relationships" xmlns:p="http://schemas.openxmlformats.org/presentationml/2006/main">
-  <p:cSld>
-    <p:spTree>
-      <p:nvGrpSpPr>
-        <p:cNvPr id="1" name=""/>
-        <p:cNvGrpSpPr/>
-        <p:nvPr/>
-      </p:nvGrpSpPr>
-      <p:grpSpPr>
-        <a:xfrm>
-          <a:off x="0" y="0"/>
-          <a:ext cx="0" cy="0"/>
-          <a:chOff x="0" y="0"/>
-          <a:chExt cx="0" cy="0"/>
-        </a:xfrm>
-      </p:grpSpPr>
-      <p:sp>
-        <p:nvSpPr>
-          <p:cNvPr id="2" name="標題 1"/>
-          <p:cNvSpPr>
-            <a:spLocks noGrp="1"/>
-          </p:cNvSpPr>
-          <p:nvPr>
-            <p:ph type="title"/>
-          </p:nvPr>
-        </p:nvSpPr>
-        <p:spPr/>
-        <p:txBody>
-          <a:bodyPr/>
-          <a:lstStyle/>
-          <a:p>
-            <a:r>
-              <a:rPr lang="en-US" altLang="zh-TW" dirty="0" smtClean="0"/>
-              <a:t>Trials</a:t>
-            </a:r>
-            <a:endParaRPr lang="zh-TW" altLang="en-US" dirty="0"/>
-          </a:p>
-        </p:txBody>
-      </p:sp>
-      <p:sp>
-        <p:nvSpPr>
-          <p:cNvPr id="3" name="內容版面配置區 2"/>
-          <p:cNvSpPr>
-            <a:spLocks noGrp="1"/>
-          </p:cNvSpPr>
-          <p:nvPr>
-            <p:ph idx="1"/>
-          </p:nvPr>
-        </p:nvSpPr>
-        <p:spPr/>
-        <p:txBody>
-          <a:bodyPr/>
-          <a:lstStyle/>
-          <a:p>
-            <a:endParaRPr lang="zh-TW" altLang="en-US"/>
-          </a:p>
-        </p:txBody>
-      </p:sp>
-      <p:pic>
-        <p:nvPicPr>
-          <p:cNvPr id="4" name="圖片 3"/>
-          <p:cNvPicPr>
-            <a:picLocks noChangeAspect="1"/>
-          </p:cNvPicPr>
-          <p:nvPr/>
-        </p:nvPicPr>
-        <p:blipFill>
-          <a:blip r:embed="rId2"/>
-          <a:stretch>
-            <a:fillRect/>
-          </a:stretch>
-        </p:blipFill>
-        <p:spPr>
-          <a:xfrm>
-            <a:off x="3384135" y="1695912"/>
-            <a:ext cx="5430539" cy="5162088"/>
-          </a:xfrm>
-          <a:prstGeom prst="rect">
-            <a:avLst/>
-          </a:prstGeom>
-        </p:spPr>
-      </p:pic>
-    </p:spTree>
-    <p:extLst>
-      <p:ext uri="{BB962C8B-B14F-4D97-AF65-F5344CB8AC3E}">
-        <p14:creationId xmlns:p14="http://schemas.microsoft.com/office/powerpoint/2010/main" val="1151798183"/>
-      </p:ext>
-    </p:extLst>
-  </p:cSld>
-  <p:clrMapOvr>
-    <a:masterClrMapping/>
-  </p:clrMapOvr>
 </p:sld>
 </file>
 

--- a/Estrogen as an immunomodulator and its role in.pptx
+++ b/Estrogen as an immunomodulator and its role in.pptx
@@ -3918,7 +3918,15 @@
             <a:pPr lvl="1"/>
             <a:r>
               <a:rPr lang="en-US" altLang="zh-TW" dirty="0"/>
-              <a:t>Irrelevant topics: non-immune functions of estrogen</a:t>
+              <a:t>Irrelevant topics: non-immune functions of </a:t>
+            </a:r>
+            <a:r>
+              <a:rPr lang="en-US" altLang="zh-TW" dirty="0" smtClean="0"/>
+              <a:t>estrogen, </a:t>
+            </a:r>
+            <a:r>
+              <a:rPr lang="en-US" altLang="zh-TW" dirty="0"/>
+              <a:t>No mention of estrogen</a:t>
             </a:r>
             <a:endParaRPr lang="zh-TW" altLang="zh-TW" dirty="0"/>
           </a:p>

--- a/Estrogen as an immunomodulator and its role in.pptx
+++ b/Estrogen as an immunomodulator and its role in.pptx
@@ -18,7 +18,8 @@
     <p:sldId id="263" r:id="rId12"/>
     <p:sldId id="261" r:id="rId13"/>
     <p:sldId id="264" r:id="rId14"/>
-    <p:sldId id="269" r:id="rId15"/>
+    <p:sldId id="270" r:id="rId15"/>
+    <p:sldId id="269" r:id="rId16"/>
   </p:sldIdLst>
   <p:sldSz cx="12192000" cy="6858000"/>
   <p:notesSz cx="6858000" cy="9144000"/>
@@ -3583,6 +3584,106 @@
           <a:p>
             <a:r>
               <a:rPr lang="en-US" altLang="zh-TW" dirty="0" smtClean="0"/>
+              <a:t>Review Data</a:t>
+            </a:r>
+            <a:endParaRPr lang="zh-TW" altLang="en-US" dirty="0"/>
+          </a:p>
+        </p:txBody>
+      </p:sp>
+      <p:sp>
+        <p:nvSpPr>
+          <p:cNvPr id="3" name="內容版面配置區 2"/>
+          <p:cNvSpPr>
+            <a:spLocks noGrp="1"/>
+          </p:cNvSpPr>
+          <p:nvPr>
+            <p:ph idx="1"/>
+          </p:nvPr>
+        </p:nvSpPr>
+        <p:spPr/>
+        <p:txBody>
+          <a:bodyPr/>
+          <a:lstStyle/>
+          <a:p>
+            <a:r>
+              <a:rPr lang="en-US" altLang="zh-TW" dirty="0" smtClean="0"/>
+              <a:t>4392 articles are identified.</a:t>
+            </a:r>
+          </a:p>
+          <a:p>
+            <a:r>
+              <a:rPr lang="en-US" altLang="zh-TW" dirty="0" smtClean="0"/>
+              <a:t>864 duplicates are detected.</a:t>
+            </a:r>
+          </a:p>
+          <a:p>
+            <a:r>
+              <a:rPr lang="en-US" altLang="zh-TW" dirty="0" smtClean="0"/>
+              <a:t>510 are deleted.</a:t>
+            </a:r>
+          </a:p>
+          <a:p>
+            <a:r>
+              <a:rPr lang="en-US" altLang="zh-TW" dirty="0" smtClean="0"/>
+              <a:t>354 are resolved.</a:t>
+            </a:r>
+          </a:p>
+          <a:p>
+            <a:r>
+              <a:rPr lang="en-US" altLang="zh-TW" dirty="0" smtClean="0"/>
+              <a:t>3882 articles to screen.</a:t>
+            </a:r>
+            <a:endParaRPr lang="zh-TW" altLang="en-US" dirty="0"/>
+          </a:p>
+        </p:txBody>
+      </p:sp>
+    </p:spTree>
+    <p:extLst>
+      <p:ext uri="{BB962C8B-B14F-4D97-AF65-F5344CB8AC3E}">
+        <p14:creationId xmlns:p14="http://schemas.microsoft.com/office/powerpoint/2010/main" val="3111666526"/>
+      </p:ext>
+    </p:extLst>
+  </p:cSld>
+  <p:clrMapOvr>
+    <a:masterClrMapping/>
+  </p:clrMapOvr>
+</p:sld>
+</file>
+
+<file path=ppt/slides/slide15.xml><?xml version="1.0" encoding="utf-8"?>
+<p:sld xmlns:a="http://schemas.openxmlformats.org/drawingml/2006/main" xmlns:r="http://schemas.openxmlformats.org/officeDocument/2006/relationships" xmlns:p="http://schemas.openxmlformats.org/presentationml/2006/main">
+  <p:cSld>
+    <p:spTree>
+      <p:nvGrpSpPr>
+        <p:cNvPr id="1" name=""/>
+        <p:cNvGrpSpPr/>
+        <p:nvPr/>
+      </p:nvGrpSpPr>
+      <p:grpSpPr>
+        <a:xfrm>
+          <a:off x="0" y="0"/>
+          <a:ext cx="0" cy="0"/>
+          <a:chOff x="0" y="0"/>
+          <a:chExt cx="0" cy="0"/>
+        </a:xfrm>
+      </p:grpSpPr>
+      <p:sp>
+        <p:nvSpPr>
+          <p:cNvPr id="2" name="標題 1"/>
+          <p:cNvSpPr>
+            <a:spLocks noGrp="1"/>
+          </p:cNvSpPr>
+          <p:nvPr>
+            <p:ph type="title"/>
+          </p:nvPr>
+        </p:nvSpPr>
+        <p:spPr/>
+        <p:txBody>
+          <a:bodyPr/>
+          <a:lstStyle/>
+          <a:p>
+            <a:r>
+              <a:rPr lang="en-US" altLang="zh-TW" dirty="0" smtClean="0"/>
               <a:t>PRISMA Flow Diagram</a:t>
             </a:r>
             <a:endParaRPr lang="zh-TW" altLang="en-US" dirty="0"/>

--- a/Estrogen as an immunomodulator and its role in.pptx
+++ b/Estrogen as an immunomodulator and its role in.pptx
@@ -19,7 +19,8 @@
     <p:sldId id="261" r:id="rId13"/>
     <p:sldId id="264" r:id="rId14"/>
     <p:sldId id="270" r:id="rId15"/>
-    <p:sldId id="269" r:id="rId16"/>
+    <p:sldId id="271" r:id="rId16"/>
+    <p:sldId id="269" r:id="rId17"/>
   </p:sldIdLst>
   <p:sldSz cx="12192000" cy="6858000"/>
   <p:notesSz cx="6858000" cy="9144000"/>
@@ -257,7 +258,7 @@
           <a:p>
             <a:fld id="{7283683F-B03E-4209-A61D-596B1E8CE257}" type="datetimeFigureOut">
               <a:rPr lang="zh-TW" altLang="en-US" smtClean="0"/>
-              <a:t>2024/12/5</a:t>
+              <a:t>2024/12/8</a:t>
             </a:fld>
             <a:endParaRPr lang="zh-TW" altLang="en-US"/>
           </a:p>
@@ -427,7 +428,7 @@
           <a:p>
             <a:fld id="{7283683F-B03E-4209-A61D-596B1E8CE257}" type="datetimeFigureOut">
               <a:rPr lang="zh-TW" altLang="en-US" smtClean="0"/>
-              <a:t>2024/12/5</a:t>
+              <a:t>2024/12/8</a:t>
             </a:fld>
             <a:endParaRPr lang="zh-TW" altLang="en-US"/>
           </a:p>
@@ -607,7 +608,7 @@
           <a:p>
             <a:fld id="{7283683F-B03E-4209-A61D-596B1E8CE257}" type="datetimeFigureOut">
               <a:rPr lang="zh-TW" altLang="en-US" smtClean="0"/>
-              <a:t>2024/12/5</a:t>
+              <a:t>2024/12/8</a:t>
             </a:fld>
             <a:endParaRPr lang="zh-TW" altLang="en-US"/>
           </a:p>
@@ -777,7 +778,7 @@
           <a:p>
             <a:fld id="{7283683F-B03E-4209-A61D-596B1E8CE257}" type="datetimeFigureOut">
               <a:rPr lang="zh-TW" altLang="en-US" smtClean="0"/>
-              <a:t>2024/12/5</a:t>
+              <a:t>2024/12/8</a:t>
             </a:fld>
             <a:endParaRPr lang="zh-TW" altLang="en-US"/>
           </a:p>
@@ -1023,7 +1024,7 @@
           <a:p>
             <a:fld id="{7283683F-B03E-4209-A61D-596B1E8CE257}" type="datetimeFigureOut">
               <a:rPr lang="zh-TW" altLang="en-US" smtClean="0"/>
-              <a:t>2024/12/5</a:t>
+              <a:t>2024/12/8</a:t>
             </a:fld>
             <a:endParaRPr lang="zh-TW" altLang="en-US"/>
           </a:p>
@@ -1255,7 +1256,7 @@
           <a:p>
             <a:fld id="{7283683F-B03E-4209-A61D-596B1E8CE257}" type="datetimeFigureOut">
               <a:rPr lang="zh-TW" altLang="en-US" smtClean="0"/>
-              <a:t>2024/12/5</a:t>
+              <a:t>2024/12/8</a:t>
             </a:fld>
             <a:endParaRPr lang="zh-TW" altLang="en-US"/>
           </a:p>
@@ -1622,7 +1623,7 @@
           <a:p>
             <a:fld id="{7283683F-B03E-4209-A61D-596B1E8CE257}" type="datetimeFigureOut">
               <a:rPr lang="zh-TW" altLang="en-US" smtClean="0"/>
-              <a:t>2024/12/5</a:t>
+              <a:t>2024/12/8</a:t>
             </a:fld>
             <a:endParaRPr lang="zh-TW" altLang="en-US"/>
           </a:p>
@@ -1740,7 +1741,7 @@
           <a:p>
             <a:fld id="{7283683F-B03E-4209-A61D-596B1E8CE257}" type="datetimeFigureOut">
               <a:rPr lang="zh-TW" altLang="en-US" smtClean="0"/>
-              <a:t>2024/12/5</a:t>
+              <a:t>2024/12/8</a:t>
             </a:fld>
             <a:endParaRPr lang="zh-TW" altLang="en-US"/>
           </a:p>
@@ -1835,7 +1836,7 @@
           <a:p>
             <a:fld id="{7283683F-B03E-4209-A61D-596B1E8CE257}" type="datetimeFigureOut">
               <a:rPr lang="zh-TW" altLang="en-US" smtClean="0"/>
-              <a:t>2024/12/5</a:t>
+              <a:t>2024/12/8</a:t>
             </a:fld>
             <a:endParaRPr lang="zh-TW" altLang="en-US"/>
           </a:p>
@@ -2112,7 +2113,7 @@
           <a:p>
             <a:fld id="{7283683F-B03E-4209-A61D-596B1E8CE257}" type="datetimeFigureOut">
               <a:rPr lang="zh-TW" altLang="en-US" smtClean="0"/>
-              <a:t>2024/12/5</a:t>
+              <a:t>2024/12/8</a:t>
             </a:fld>
             <a:endParaRPr lang="zh-TW" altLang="en-US"/>
           </a:p>
@@ -2365,7 +2366,7 @@
           <a:p>
             <a:fld id="{7283683F-B03E-4209-A61D-596B1E8CE257}" type="datetimeFigureOut">
               <a:rPr lang="zh-TW" altLang="en-US" smtClean="0"/>
-              <a:t>2024/12/5</a:t>
+              <a:t>2024/12/8</a:t>
             </a:fld>
             <a:endParaRPr lang="zh-TW" altLang="en-US"/>
           </a:p>
@@ -2578,7 +2579,7 @@
           <a:p>
             <a:fld id="{7283683F-B03E-4209-A61D-596B1E8CE257}" type="datetimeFigureOut">
               <a:rPr lang="zh-TW" altLang="en-US" smtClean="0"/>
-              <a:t>2024/12/5</a:t>
+              <a:t>2024/12/8</a:t>
             </a:fld>
             <a:endParaRPr lang="zh-TW" altLang="en-US"/>
           </a:p>
@@ -3426,18 +3427,34 @@
               <a:t>Documents: </a:t>
             </a:r>
             <a:r>
-              <a:rPr lang="en-US" altLang="zh-TW" dirty="0" err="1"/>
+              <a:rPr lang="en-US" altLang="zh-TW" dirty="0" err="1">
+                <a:solidFill>
+                  <a:srgbClr val="0070C0"/>
+                </a:solidFill>
+              </a:rPr>
               <a:t>savedrecs</a:t>
             </a:r>
             <a:r>
-              <a:rPr lang="en-US" altLang="zh-TW" dirty="0"/>
+              <a:rPr lang="en-US" altLang="zh-TW" dirty="0">
+                <a:solidFill>
+                  <a:srgbClr val="0070C0"/>
+                </a:solidFill>
+              </a:rPr>
               <a:t> (Web of Science).</a:t>
             </a:r>
             <a:r>
-              <a:rPr lang="en-US" altLang="zh-TW" dirty="0" err="1"/>
+              <a:rPr lang="en-US" altLang="zh-TW" dirty="0" err="1">
+                <a:solidFill>
+                  <a:srgbClr val="0070C0"/>
+                </a:solidFill>
+              </a:rPr>
               <a:t>ris</a:t>
             </a:r>
-            <a:endParaRPr lang="zh-TW" altLang="zh-TW" dirty="0"/>
+            <a:endParaRPr lang="zh-TW" altLang="zh-TW" dirty="0">
+              <a:solidFill>
+                <a:srgbClr val="0070C0"/>
+              </a:solidFill>
+            </a:endParaRPr>
           </a:p>
         </p:txBody>
       </p:sp>
@@ -3631,9 +3648,29 @@
           <a:p>
             <a:r>
               <a:rPr lang="en-US" altLang="zh-TW" dirty="0" smtClean="0"/>
-              <a:t>3882 articles to screen.</a:t>
-            </a:r>
-            <a:endParaRPr lang="zh-TW" altLang="en-US" dirty="0"/>
+              <a:t>3882 articles to </a:t>
+            </a:r>
+            <a:r>
+              <a:rPr lang="en-US" altLang="zh-TW" dirty="0" smtClean="0"/>
+              <a:t>screen:</a:t>
+            </a:r>
+            <a:r>
+              <a:rPr lang="zh-TW" altLang="en-US" dirty="0" smtClean="0"/>
+              <a:t> </a:t>
+            </a:r>
+            <a:r>
+              <a:rPr lang="en-US" altLang="zh-TW" dirty="0">
+                <a:solidFill>
+                  <a:srgbClr val="0070C0"/>
+                </a:solidFill>
+              </a:rPr>
+              <a:t>articles to screen ris.zip</a:t>
+            </a:r>
+            <a:endParaRPr lang="zh-TW" altLang="en-US" dirty="0">
+              <a:solidFill>
+                <a:srgbClr val="0070C0"/>
+              </a:solidFill>
+            </a:endParaRPr>
           </a:p>
         </p:txBody>
       </p:sp>
@@ -3651,6 +3688,98 @@
 </file>
 
 <file path=ppt/slides/slide15.xml><?xml version="1.0" encoding="utf-8"?>
+<p:sld xmlns:a="http://schemas.openxmlformats.org/drawingml/2006/main" xmlns:r="http://schemas.openxmlformats.org/officeDocument/2006/relationships" xmlns:p="http://schemas.openxmlformats.org/presentationml/2006/main">
+  <p:cSld>
+    <p:spTree>
+      <p:nvGrpSpPr>
+        <p:cNvPr id="1" name=""/>
+        <p:cNvGrpSpPr/>
+        <p:nvPr/>
+      </p:nvGrpSpPr>
+      <p:grpSpPr>
+        <a:xfrm>
+          <a:off x="0" y="0"/>
+          <a:ext cx="0" cy="0"/>
+          <a:chOff x="0" y="0"/>
+          <a:chExt cx="0" cy="0"/>
+        </a:xfrm>
+      </p:grpSpPr>
+      <p:sp>
+        <p:nvSpPr>
+          <p:cNvPr id="2" name="標題 1"/>
+          <p:cNvSpPr>
+            <a:spLocks noGrp="1"/>
+          </p:cNvSpPr>
+          <p:nvPr>
+            <p:ph type="title"/>
+          </p:nvPr>
+        </p:nvSpPr>
+        <p:spPr/>
+        <p:txBody>
+          <a:bodyPr/>
+          <a:lstStyle/>
+          <a:p>
+            <a:r>
+              <a:rPr lang="en-US" altLang="zh-TW" dirty="0" smtClean="0"/>
+              <a:t>Screening</a:t>
+            </a:r>
+            <a:endParaRPr lang="zh-TW" altLang="en-US" dirty="0"/>
+          </a:p>
+        </p:txBody>
+      </p:sp>
+      <p:sp>
+        <p:nvSpPr>
+          <p:cNvPr id="3" name="內容版面配置區 2"/>
+          <p:cNvSpPr>
+            <a:spLocks noGrp="1"/>
+          </p:cNvSpPr>
+          <p:nvPr>
+            <p:ph idx="1"/>
+          </p:nvPr>
+        </p:nvSpPr>
+        <p:spPr/>
+        <p:txBody>
+          <a:bodyPr/>
+          <a:lstStyle/>
+          <a:p>
+            <a:r>
+              <a:rPr lang="en-US" altLang="zh-TW" dirty="0" smtClean="0"/>
+              <a:t>Web of Science: 6 included. 51 excluded.</a:t>
+            </a:r>
+          </a:p>
+          <a:p>
+            <a:r>
+              <a:rPr lang="en-US" altLang="zh-TW" dirty="0" smtClean="0"/>
+              <a:t>Cochrane Trials: 3 included. 37 excluded.</a:t>
+            </a:r>
+          </a:p>
+          <a:p>
+            <a:r>
+              <a:rPr lang="en-US" altLang="zh-TW" dirty="0" smtClean="0"/>
+              <a:t>Cochrane Review: 0 included. 3 </a:t>
+            </a:r>
+            <a:r>
+              <a:rPr lang="en-US" altLang="zh-TW" smtClean="0"/>
+              <a:t>excluded.</a:t>
+            </a:r>
+            <a:endParaRPr lang="en-US" altLang="zh-TW" dirty="0" smtClean="0"/>
+          </a:p>
+        </p:txBody>
+      </p:sp>
+    </p:spTree>
+    <p:extLst>
+      <p:ext uri="{BB962C8B-B14F-4D97-AF65-F5344CB8AC3E}">
+        <p14:creationId xmlns:p14="http://schemas.microsoft.com/office/powerpoint/2010/main" val="3282430007"/>
+      </p:ext>
+    </p:extLst>
+  </p:cSld>
+  <p:clrMapOvr>
+    <a:masterClrMapping/>
+  </p:clrMapOvr>
+</p:sld>
+</file>
+
+<file path=ppt/slides/slide16.xml><?xml version="1.0" encoding="utf-8"?>
 <p:sld xmlns:a="http://schemas.openxmlformats.org/drawingml/2006/main" xmlns:r="http://schemas.openxmlformats.org/officeDocument/2006/relationships" xmlns:p="http://schemas.openxmlformats.org/presentationml/2006/main">
   <p:cSld>
     <p:spTree>
@@ -4247,26 +4376,50 @@
               <a:t>results: </a:t>
             </a:r>
             <a:r>
-              <a:rPr lang="en-US" altLang="zh-TW" dirty="0" err="1"/>
+              <a:rPr lang="en-US" altLang="zh-TW" dirty="0" err="1">
+                <a:solidFill>
+                  <a:srgbClr val="0070C0"/>
+                </a:solidFill>
+              </a:rPr>
               <a:t>pubmed</a:t>
             </a:r>
             <a:r>
-              <a:rPr lang="en-US" altLang="zh-TW" dirty="0"/>
+              <a:rPr lang="en-US" altLang="zh-TW" dirty="0">
+                <a:solidFill>
+                  <a:srgbClr val="0070C0"/>
+                </a:solidFill>
+              </a:rPr>
               <a:t>-</a:t>
             </a:r>
             <a:r>
-              <a:rPr lang="en-US" altLang="zh-TW" dirty="0" err="1"/>
+              <a:rPr lang="en-US" altLang="zh-TW" dirty="0" err="1">
+                <a:solidFill>
+                  <a:srgbClr val="0070C0"/>
+                </a:solidFill>
+              </a:rPr>
               <a:t>EstrogensM</a:t>
             </a:r>
             <a:r>
-              <a:rPr lang="en-US" altLang="zh-TW" dirty="0"/>
+              <a:rPr lang="en-US" altLang="zh-TW" dirty="0">
+                <a:solidFill>
+                  <a:srgbClr val="0070C0"/>
+                </a:solidFill>
+              </a:rPr>
               <a:t>-set (PubMed).</a:t>
             </a:r>
             <a:r>
-              <a:rPr lang="en-US" altLang="zh-TW" dirty="0" err="1"/>
+              <a:rPr lang="en-US" altLang="zh-TW" dirty="0" err="1">
+                <a:solidFill>
+                  <a:srgbClr val="0070C0"/>
+                </a:solidFill>
+              </a:rPr>
               <a:t>nbib</a:t>
             </a:r>
-            <a:endParaRPr lang="zh-TW" altLang="en-US" dirty="0"/>
+            <a:endParaRPr lang="zh-TW" altLang="en-US" dirty="0">
+              <a:solidFill>
+                <a:srgbClr val="0070C0"/>
+              </a:solidFill>
+            </a:endParaRPr>
           </a:p>
         </p:txBody>
       </p:sp>
@@ -4454,11 +4607,7 @@
             </a:r>
             <a:r>
               <a:rPr lang="en-US" altLang="zh-TW" dirty="0"/>
-              <a:t>: </a:t>
-            </a:r>
-            <a:r>
-              <a:rPr lang="en-US" altLang="zh-TW" dirty="0"/>
-              <a:t>('estrogens'/</a:t>
+              <a:t>: ('estrogens'/</a:t>
             </a:r>
             <a:r>
               <a:rPr lang="en-US" altLang="zh-TW" dirty="0" err="1"/>
@@ -4673,22 +4822,42 @@
               <a:t> </a:t>
             </a:r>
             <a:r>
-              <a:rPr lang="en-US" altLang="zh-TW" dirty="0"/>
+              <a:rPr lang="en-US" altLang="zh-TW" dirty="0">
+                <a:solidFill>
+                  <a:srgbClr val="0070C0"/>
+                </a:solidFill>
+              </a:rPr>
               <a:t>records(</a:t>
             </a:r>
             <a:r>
-              <a:rPr lang="en-US" altLang="zh-TW" dirty="0" err="1"/>
+              <a:rPr lang="en-US" altLang="zh-TW" dirty="0" err="1">
+                <a:solidFill>
+                  <a:srgbClr val="0070C0"/>
+                </a:solidFill>
+              </a:rPr>
               <a:t>Embase</a:t>
             </a:r>
             <a:r>
-              <a:rPr lang="en-US" altLang="zh-TW" dirty="0"/>
+              <a:rPr lang="en-US" altLang="zh-TW" dirty="0">
+                <a:solidFill>
+                  <a:srgbClr val="0070C0"/>
+                </a:solidFill>
+              </a:rPr>
               <a:t>).</a:t>
             </a:r>
             <a:r>
-              <a:rPr lang="en-US" altLang="zh-TW" dirty="0" err="1"/>
+              <a:rPr lang="en-US" altLang="zh-TW" dirty="0" err="1">
+                <a:solidFill>
+                  <a:srgbClr val="0070C0"/>
+                </a:solidFill>
+              </a:rPr>
               <a:t>ris</a:t>
             </a:r>
-            <a:endParaRPr lang="zh-TW" altLang="zh-TW" dirty="0"/>
+            <a:endParaRPr lang="zh-TW" altLang="zh-TW" dirty="0">
+              <a:solidFill>
+                <a:srgbClr val="0070C0"/>
+              </a:solidFill>
+            </a:endParaRPr>
           </a:p>
           <a:p>
             <a:pPr lvl="0"/>
@@ -4948,13 +5117,29 @@
             <a:pPr lvl="1"/>
             <a:r>
               <a:rPr lang="en-US" altLang="zh-TW" dirty="0"/>
-              <a:t>4 Cochrane Reviews: citation-export (Cochrane Review).</a:t>
-            </a:r>
-            <a:r>
-              <a:rPr lang="en-US" altLang="zh-TW" dirty="0" err="1"/>
+              <a:t>4 Cochrane Reviews: </a:t>
+            </a:r>
+            <a:r>
+              <a:rPr lang="en-US" altLang="zh-TW" dirty="0">
+                <a:solidFill>
+                  <a:srgbClr val="0070C0"/>
+                </a:solidFill>
+              </a:rPr>
+              <a:t>citation-export (Cochrane Review).</a:t>
+            </a:r>
+            <a:r>
+              <a:rPr lang="en-US" altLang="zh-TW" dirty="0" err="1">
+                <a:solidFill>
+                  <a:srgbClr val="0070C0"/>
+                </a:solidFill>
+              </a:rPr>
               <a:t>ris</a:t>
             </a:r>
-            <a:endParaRPr lang="zh-TW" altLang="zh-TW" dirty="0"/>
+            <a:endParaRPr lang="zh-TW" altLang="zh-TW" dirty="0">
+              <a:solidFill>
+                <a:srgbClr val="0070C0"/>
+              </a:solidFill>
+            </a:endParaRPr>
           </a:p>
           <a:p>
             <a:pPr lvl="1"/>
@@ -4967,22 +5152,42 @@
               <a:t>8 Trials: </a:t>
             </a:r>
             <a:r>
-              <a:rPr lang="en-US" altLang="zh-TW" dirty="0"/>
+              <a:rPr lang="en-US" altLang="zh-TW" dirty="0">
+                <a:solidFill>
+                  <a:srgbClr val="0070C0"/>
+                </a:solidFill>
+              </a:rPr>
               <a:t>citation-exports(</a:t>
             </a:r>
             <a:r>
-              <a:rPr lang="en-US" altLang="zh-TW" dirty="0" err="1"/>
+              <a:rPr lang="en-US" altLang="zh-TW" dirty="0" err="1">
+                <a:solidFill>
+                  <a:srgbClr val="0070C0"/>
+                </a:solidFill>
+              </a:rPr>
               <a:t>CochraneTrials</a:t>
             </a:r>
             <a:r>
-              <a:rPr lang="en-US" altLang="zh-TW" dirty="0"/>
+              <a:rPr lang="en-US" altLang="zh-TW" dirty="0">
+                <a:solidFill>
+                  <a:srgbClr val="0070C0"/>
+                </a:solidFill>
+              </a:rPr>
               <a:t>).</a:t>
             </a:r>
             <a:r>
-              <a:rPr lang="en-US" altLang="zh-TW" dirty="0" err="1"/>
+              <a:rPr lang="en-US" altLang="zh-TW" dirty="0" err="1">
+                <a:solidFill>
+                  <a:srgbClr val="0070C0"/>
+                </a:solidFill>
+              </a:rPr>
               <a:t>ris</a:t>
             </a:r>
-            <a:endParaRPr lang="en-US" altLang="zh-TW" dirty="0" smtClean="0"/>
+            <a:endParaRPr lang="en-US" altLang="zh-TW" dirty="0" smtClean="0">
+              <a:solidFill>
+                <a:srgbClr val="0070C0"/>
+              </a:solidFill>
+            </a:endParaRPr>
           </a:p>
           <a:p>
             <a:r>

--- a/Estrogen as an immunomodulator and its role in.pptx
+++ b/Estrogen as an immunomodulator and its role in.pptx
@@ -20,7 +20,8 @@
     <p:sldId id="264" r:id="rId14"/>
     <p:sldId id="270" r:id="rId15"/>
     <p:sldId id="271" r:id="rId16"/>
-    <p:sldId id="269" r:id="rId17"/>
+    <p:sldId id="272" r:id="rId17"/>
+    <p:sldId id="269" r:id="rId18"/>
   </p:sldIdLst>
   <p:sldSz cx="12192000" cy="6858000"/>
   <p:notesSz cx="6858000" cy="9144000"/>
@@ -3648,11 +3649,7 @@
           <a:p>
             <a:r>
               <a:rPr lang="en-US" altLang="zh-TW" dirty="0" smtClean="0"/>
-              <a:t>3882 articles to </a:t>
-            </a:r>
-            <a:r>
-              <a:rPr lang="en-US" altLang="zh-TW" dirty="0" smtClean="0"/>
-              <a:t>screen:</a:t>
+              <a:t>3882 articles to screen:</a:t>
             </a:r>
             <a:r>
               <a:rPr lang="zh-TW" altLang="en-US" dirty="0" smtClean="0"/>
@@ -3780,6 +3777,102 @@
 </file>
 
 <file path=ppt/slides/slide16.xml><?xml version="1.0" encoding="utf-8"?>
+<p:sld xmlns:a="http://schemas.openxmlformats.org/drawingml/2006/main" xmlns:r="http://schemas.openxmlformats.org/officeDocument/2006/relationships" xmlns:p="http://schemas.openxmlformats.org/presentationml/2006/main">
+  <p:cSld>
+    <p:spTree>
+      <p:nvGrpSpPr>
+        <p:cNvPr id="1" name=""/>
+        <p:cNvGrpSpPr/>
+        <p:nvPr/>
+      </p:nvGrpSpPr>
+      <p:grpSpPr>
+        <a:xfrm>
+          <a:off x="0" y="0"/>
+          <a:ext cx="0" cy="0"/>
+          <a:chOff x="0" y="0"/>
+          <a:chExt cx="0" cy="0"/>
+        </a:xfrm>
+      </p:grpSpPr>
+      <p:sp>
+        <p:nvSpPr>
+          <p:cNvPr id="2" name="標題 1"/>
+          <p:cNvSpPr>
+            <a:spLocks noGrp="1"/>
+          </p:cNvSpPr>
+          <p:nvPr>
+            <p:ph type="title"/>
+          </p:nvPr>
+        </p:nvSpPr>
+        <p:spPr/>
+        <p:txBody>
+          <a:bodyPr/>
+          <a:lstStyle/>
+          <a:p>
+            <a:r>
+              <a:rPr lang="en-US" altLang="zh-TW" dirty="0" smtClean="0"/>
+              <a:t>Included articles</a:t>
+            </a:r>
+            <a:endParaRPr lang="zh-TW" altLang="en-US" dirty="0"/>
+          </a:p>
+        </p:txBody>
+      </p:sp>
+      <p:sp>
+        <p:nvSpPr>
+          <p:cNvPr id="3" name="內容版面配置區 2"/>
+          <p:cNvSpPr>
+            <a:spLocks noGrp="1"/>
+          </p:cNvSpPr>
+          <p:nvPr>
+            <p:ph idx="1"/>
+          </p:nvPr>
+        </p:nvSpPr>
+        <p:spPr/>
+        <p:txBody>
+          <a:bodyPr/>
+          <a:lstStyle/>
+          <a:p>
+            <a:endParaRPr lang="zh-TW" altLang="en-US"/>
+          </a:p>
+        </p:txBody>
+      </p:sp>
+      <p:pic>
+        <p:nvPicPr>
+          <p:cNvPr id="4" name="圖片 3"/>
+          <p:cNvPicPr>
+            <a:picLocks noChangeAspect="1"/>
+          </p:cNvPicPr>
+          <p:nvPr/>
+        </p:nvPicPr>
+        <p:blipFill>
+          <a:blip r:embed="rId2"/>
+          <a:stretch>
+            <a:fillRect/>
+          </a:stretch>
+        </p:blipFill>
+        <p:spPr>
+          <a:xfrm>
+            <a:off x="0" y="1825625"/>
+            <a:ext cx="12192000" cy="3306434"/>
+          </a:xfrm>
+          <a:prstGeom prst="rect">
+            <a:avLst/>
+          </a:prstGeom>
+        </p:spPr>
+      </p:pic>
+    </p:spTree>
+    <p:extLst>
+      <p:ext uri="{BB962C8B-B14F-4D97-AF65-F5344CB8AC3E}">
+        <p14:creationId xmlns:p14="http://schemas.microsoft.com/office/powerpoint/2010/main" val="4078398424"/>
+      </p:ext>
+    </p:extLst>
+  </p:cSld>
+  <p:clrMapOvr>
+    <a:masterClrMapping/>
+  </p:clrMapOvr>
+</p:sld>
+</file>
+
+<file path=ppt/slides/slide17.xml><?xml version="1.0" encoding="utf-8"?>
 <p:sld xmlns:a="http://schemas.openxmlformats.org/drawingml/2006/main" xmlns:r="http://schemas.openxmlformats.org/officeDocument/2006/relationships" xmlns:p="http://schemas.openxmlformats.org/presentationml/2006/main">
   <p:cSld>
     <p:spTree>

--- a/Estrogen as an immunomodulator and its role in.pptx
+++ b/Estrogen as an immunomodulator and its role in.pptx
@@ -3753,13 +3753,85 @@
           <a:p>
             <a:r>
               <a:rPr lang="en-US" altLang="zh-TW" dirty="0" smtClean="0"/>
-              <a:t>Cochrane Review: 0 included. 3 </a:t>
-            </a:r>
-            <a:r>
-              <a:rPr lang="en-US" altLang="zh-TW" smtClean="0"/>
-              <a:t>excluded.</a:t>
-            </a:r>
-            <a:endParaRPr lang="en-US" altLang="zh-TW" dirty="0" smtClean="0"/>
+              <a:t>Cochrane Review: 0 included. 3 excluded</a:t>
+            </a:r>
+            <a:r>
+              <a:rPr lang="en-US" altLang="zh-TW" dirty="0" smtClean="0"/>
+              <a:t>.</a:t>
+            </a:r>
+          </a:p>
+          <a:p>
+            <a:r>
+              <a:rPr lang="en-US" altLang="zh-TW" dirty="0"/>
+              <a:t>Included: </a:t>
+            </a:r>
+            <a:r>
+              <a:rPr lang="en-US" altLang="zh-TW" dirty="0">
+                <a:solidFill>
+                  <a:srgbClr val="0070C0"/>
+                </a:solidFill>
+              </a:rPr>
+              <a:t>included articles </a:t>
+            </a:r>
+            <a:r>
+              <a:rPr lang="en-US" altLang="zh-TW" dirty="0" err="1">
+                <a:solidFill>
+                  <a:srgbClr val="0070C0"/>
+                </a:solidFill>
+              </a:rPr>
+              <a:t>ris</a:t>
+            </a:r>
+            <a:r>
+              <a:rPr lang="en-US" altLang="zh-TW" dirty="0">
+                <a:solidFill>
+                  <a:srgbClr val="0070C0"/>
+                </a:solidFill>
+              </a:rPr>
+              <a:t> (Cochrane Library &amp; Web of Science).</a:t>
+            </a:r>
+            <a:r>
+              <a:rPr lang="en-US" altLang="zh-TW" dirty="0" smtClean="0">
+                <a:solidFill>
+                  <a:srgbClr val="0070C0"/>
+                </a:solidFill>
+              </a:rPr>
+              <a:t>zip</a:t>
+            </a:r>
+          </a:p>
+          <a:p>
+            <a:r>
+              <a:rPr lang="en-US" altLang="zh-TW" dirty="0"/>
+              <a:t>Excluded: </a:t>
+            </a:r>
+            <a:r>
+              <a:rPr lang="en-US" altLang="zh-TW" dirty="0">
+                <a:solidFill>
+                  <a:srgbClr val="0070C0"/>
+                </a:solidFill>
+              </a:rPr>
+              <a:t>excluded articles </a:t>
+            </a:r>
+            <a:r>
+              <a:rPr lang="en-US" altLang="zh-TW" dirty="0" err="1">
+                <a:solidFill>
+                  <a:srgbClr val="0070C0"/>
+                </a:solidFill>
+              </a:rPr>
+              <a:t>ris</a:t>
+            </a:r>
+            <a:r>
+              <a:rPr lang="en-US" altLang="zh-TW" dirty="0">
+                <a:solidFill>
+                  <a:srgbClr val="0070C0"/>
+                </a:solidFill>
+              </a:rPr>
+              <a:t> (Cochrane Library &amp; Web of Science).zip</a:t>
+            </a:r>
+            <a:endParaRPr lang="en-US" altLang="zh-TW" dirty="0" smtClean="0">
+              <a:solidFill>
+                <a:srgbClr val="0070C0"/>
+              </a:solidFill>
+            </a:endParaRPr>
           </a:p>
         </p:txBody>
       </p:sp>

--- a/Estrogen as an immunomodulator and its role in.pptx
+++ b/Estrogen as an immunomodulator and its role in.pptx
@@ -19,9 +19,12 @@
     <p:sldId id="261" r:id="rId13"/>
     <p:sldId id="264" r:id="rId14"/>
     <p:sldId id="270" r:id="rId15"/>
-    <p:sldId id="271" r:id="rId16"/>
-    <p:sldId id="272" r:id="rId17"/>
-    <p:sldId id="269" r:id="rId18"/>
+    <p:sldId id="269" r:id="rId16"/>
+    <p:sldId id="271" r:id="rId17"/>
+    <p:sldId id="272" r:id="rId18"/>
+    <p:sldId id="273" r:id="rId19"/>
+    <p:sldId id="275" r:id="rId20"/>
+    <p:sldId id="274" r:id="rId21"/>
   </p:sldIdLst>
   <p:sldSz cx="12192000" cy="6858000"/>
   <p:notesSz cx="6858000" cy="9144000"/>
@@ -3180,6 +3183,13 @@
   <p:clrMapOvr>
     <a:masterClrMapping/>
   </p:clrMapOvr>
+  <p:timing>
+    <p:tnLst>
+      <p:par>
+        <p:cTn id="1" dur="indefinite" restart="never" nodeType="tmRoot"/>
+      </p:par>
+    </p:tnLst>
+  </p:timing>
 </p:sld>
 </file>
 
@@ -3284,6 +3294,13 @@
       <p:transition spd="slow"/>
     </mc:Fallback>
   </mc:AlternateContent>
+  <p:timing>
+    <p:tnLst>
+      <p:par>
+        <p:cTn id="1" dur="indefinite" restart="never" nodeType="tmRoot"/>
+      </p:par>
+    </p:tnLst>
+  </p:timing>
 </p:sld>
 </file>
 
@@ -3469,6 +3486,13 @@
   <p:clrMapOvr>
     <a:masterClrMapping/>
   </p:clrMapOvr>
+  <p:timing>
+    <p:tnLst>
+      <p:par>
+        <p:cTn id="1" dur="indefinite" restart="never" nodeType="tmRoot"/>
+      </p:par>
+    </p:tnLst>
+  </p:timing>
 </p:sld>
 </file>
 
@@ -3565,6 +3589,13 @@
   <p:clrMapOvr>
     <a:masterClrMapping/>
   </p:clrMapOvr>
+  <p:timing>
+    <p:tnLst>
+      <p:par>
+        <p:cTn id="1" dur="indefinite" restart="never" nodeType="tmRoot"/>
+      </p:par>
+    </p:tnLst>
+  </p:timing>
 </p:sld>
 </file>
 
@@ -3681,6 +3712,13 @@
   <p:clrMapOvr>
     <a:masterClrMapping/>
   </p:clrMapOvr>
+  <p:timing>
+    <p:tnLst>
+      <p:par>
+        <p:cTn id="1" dur="indefinite" restart="never" nodeType="tmRoot"/>
+      </p:par>
+    </p:tnLst>
+  </p:timing>
 </p:sld>
 </file>
 
@@ -3718,6 +3756,109 @@
           <a:p>
             <a:r>
               <a:rPr lang="en-US" altLang="zh-TW" dirty="0" smtClean="0"/>
+              <a:t>PRISMA Flow Diagram</a:t>
+            </a:r>
+            <a:endParaRPr lang="zh-TW" altLang="en-US" dirty="0"/>
+          </a:p>
+        </p:txBody>
+      </p:sp>
+      <p:sp>
+        <p:nvSpPr>
+          <p:cNvPr id="3" name="內容版面配置區 2"/>
+          <p:cNvSpPr>
+            <a:spLocks noGrp="1"/>
+          </p:cNvSpPr>
+          <p:nvPr>
+            <p:ph idx="1"/>
+          </p:nvPr>
+        </p:nvSpPr>
+        <p:spPr/>
+        <p:txBody>
+          <a:bodyPr/>
+          <a:lstStyle/>
+          <a:p>
+            <a:endParaRPr lang="zh-TW" altLang="en-US"/>
+          </a:p>
+        </p:txBody>
+      </p:sp>
+      <p:pic>
+        <p:nvPicPr>
+          <p:cNvPr id="4" name="圖片 3"/>
+          <p:cNvPicPr>
+            <a:picLocks noChangeAspect="1"/>
+          </p:cNvPicPr>
+          <p:nvPr/>
+        </p:nvPicPr>
+        <p:blipFill>
+          <a:blip r:embed="rId2"/>
+          <a:stretch>
+            <a:fillRect/>
+          </a:stretch>
+        </p:blipFill>
+        <p:spPr>
+          <a:xfrm>
+            <a:off x="3409771" y="1690688"/>
+            <a:ext cx="5380157" cy="5165666"/>
+          </a:xfrm>
+          <a:prstGeom prst="rect">
+            <a:avLst/>
+          </a:prstGeom>
+        </p:spPr>
+      </p:pic>
+    </p:spTree>
+    <p:extLst>
+      <p:ext uri="{BB962C8B-B14F-4D97-AF65-F5344CB8AC3E}">
+        <p14:creationId xmlns:p14="http://schemas.microsoft.com/office/powerpoint/2010/main" val="97908569"/>
+      </p:ext>
+    </p:extLst>
+  </p:cSld>
+  <p:clrMapOvr>
+    <a:masterClrMapping/>
+  </p:clrMapOvr>
+  <p:timing>
+    <p:tnLst>
+      <p:par>
+        <p:cTn id="1" dur="indefinite" restart="never" nodeType="tmRoot"/>
+      </p:par>
+    </p:tnLst>
+  </p:timing>
+</p:sld>
+</file>
+
+<file path=ppt/slides/slide16.xml><?xml version="1.0" encoding="utf-8"?>
+<p:sld xmlns:a="http://schemas.openxmlformats.org/drawingml/2006/main" xmlns:r="http://schemas.openxmlformats.org/officeDocument/2006/relationships" xmlns:p="http://schemas.openxmlformats.org/presentationml/2006/main">
+  <p:cSld>
+    <p:spTree>
+      <p:nvGrpSpPr>
+        <p:cNvPr id="1" name=""/>
+        <p:cNvGrpSpPr/>
+        <p:nvPr/>
+      </p:nvGrpSpPr>
+      <p:grpSpPr>
+        <a:xfrm>
+          <a:off x="0" y="0"/>
+          <a:ext cx="0" cy="0"/>
+          <a:chOff x="0" y="0"/>
+          <a:chExt cx="0" cy="0"/>
+        </a:xfrm>
+      </p:grpSpPr>
+      <p:sp>
+        <p:nvSpPr>
+          <p:cNvPr id="2" name="標題 1"/>
+          <p:cNvSpPr>
+            <a:spLocks noGrp="1"/>
+          </p:cNvSpPr>
+          <p:nvPr>
+            <p:ph type="title"/>
+          </p:nvPr>
+        </p:nvSpPr>
+        <p:spPr/>
+        <p:txBody>
+          <a:bodyPr/>
+          <a:lstStyle/>
+          <a:p>
+            <a:r>
+              <a:rPr lang="en-US" altLang="zh-TW" dirty="0" smtClean="0"/>
               <a:t>Screening</a:t>
             </a:r>
             <a:endParaRPr lang="zh-TW" altLang="en-US" dirty="0"/>
@@ -3753,11 +3894,7 @@
           <a:p>
             <a:r>
               <a:rPr lang="en-US" altLang="zh-TW" dirty="0" smtClean="0"/>
-              <a:t>Cochrane Review: 0 included. 3 excluded</a:t>
-            </a:r>
-            <a:r>
-              <a:rPr lang="en-US" altLang="zh-TW" dirty="0" smtClean="0"/>
-              <a:t>.</a:t>
+              <a:t>Cochrane Review: 0 included. 3 excluded.</a:t>
             </a:r>
           </a:p>
           <a:p>
@@ -3845,10 +3982,17 @@
   <p:clrMapOvr>
     <a:masterClrMapping/>
   </p:clrMapOvr>
+  <p:timing>
+    <p:tnLst>
+      <p:par>
+        <p:cTn id="1" dur="indefinite" restart="never" nodeType="tmRoot"/>
+      </p:par>
+    </p:tnLst>
+  </p:timing>
 </p:sld>
 </file>
 
-<file path=ppt/slides/slide16.xml><?xml version="1.0" encoding="utf-8"?>
+<file path=ppt/slides/slide17.xml><?xml version="1.0" encoding="utf-8"?>
 <p:sld xmlns:a="http://schemas.openxmlformats.org/drawingml/2006/main" xmlns:r="http://schemas.openxmlformats.org/officeDocument/2006/relationships" xmlns:p="http://schemas.openxmlformats.org/presentationml/2006/main">
   <p:cSld>
     <p:spTree>
@@ -3941,10 +4085,17 @@
   <p:clrMapOvr>
     <a:masterClrMapping/>
   </p:clrMapOvr>
+  <p:timing>
+    <p:tnLst>
+      <p:par>
+        <p:cTn id="1" dur="indefinite" restart="never" nodeType="tmRoot"/>
+      </p:par>
+    </p:tnLst>
+  </p:timing>
 </p:sld>
 </file>
 
-<file path=ppt/slides/slide17.xml><?xml version="1.0" encoding="utf-8"?>
+<file path=ppt/slides/slide18.xml><?xml version="1.0" encoding="utf-8"?>
 <p:sld xmlns:a="http://schemas.openxmlformats.org/drawingml/2006/main" xmlns:r="http://schemas.openxmlformats.org/officeDocument/2006/relationships" xmlns:p="http://schemas.openxmlformats.org/presentationml/2006/main">
   <p:cSld>
     <p:spTree>
@@ -3978,7 +4129,7 @@
           <a:p>
             <a:r>
               <a:rPr lang="en-US" altLang="zh-TW" dirty="0" smtClean="0"/>
-              <a:t>PRISMA Flow Diagram</a:t>
+              <a:t>Screening</a:t>
             </a:r>
             <a:endParaRPr lang="zh-TW" altLang="en-US" dirty="0"/>
           </a:p>
@@ -3999,17 +4150,117 @@
           <a:bodyPr/>
           <a:lstStyle/>
           <a:p>
-            <a:endParaRPr lang="zh-TW" altLang="en-US"/>
+            <a:r>
+              <a:rPr lang="en-US" altLang="zh-TW" dirty="0" err="1" smtClean="0"/>
+              <a:t>ChatGPT</a:t>
+            </a:r>
+            <a:r>
+              <a:rPr lang="en-US" altLang="zh-TW" dirty="0" smtClean="0"/>
+              <a:t> 4o </a:t>
+            </a:r>
+            <a:r>
+              <a:rPr lang="en-US" altLang="zh-TW" dirty="0"/>
+              <a:t>categorized articles: </a:t>
+            </a:r>
+            <a:r>
+              <a:rPr lang="en-US" altLang="zh-TW" dirty="0" smtClean="0">
+                <a:solidFill>
+                  <a:srgbClr val="0070C0"/>
+                </a:solidFill>
+              </a:rPr>
+              <a:t>Categorized_Articles.csv</a:t>
+            </a:r>
+          </a:p>
+          <a:p>
+            <a:r>
+              <a:rPr lang="en-US" altLang="zh-TW" dirty="0" smtClean="0"/>
+              <a:t>Included articles: 297 records. </a:t>
+            </a:r>
+            <a:r>
+              <a:rPr lang="en-US" altLang="zh-TW" dirty="0">
+                <a:solidFill>
+                  <a:srgbClr val="0070C0"/>
+                </a:solidFill>
+              </a:rPr>
+              <a:t>Included - Categorized_Articles.csv</a:t>
+            </a:r>
+            <a:endParaRPr lang="zh-TW" altLang="en-US" dirty="0">
+              <a:solidFill>
+                <a:srgbClr val="0070C0"/>
+              </a:solidFill>
+            </a:endParaRPr>
+          </a:p>
+        </p:txBody>
+      </p:sp>
+    </p:spTree>
+    <p:extLst>
+      <p:ext uri="{BB962C8B-B14F-4D97-AF65-F5344CB8AC3E}">
+        <p14:creationId xmlns:p14="http://schemas.microsoft.com/office/powerpoint/2010/main" val="2837860510"/>
+      </p:ext>
+    </p:extLst>
+  </p:cSld>
+  <p:clrMapOvr>
+    <a:masterClrMapping/>
+  </p:clrMapOvr>
+  <p:timing>
+    <p:tnLst>
+      <p:par>
+        <p:cTn id="1" dur="indefinite" restart="never" nodeType="tmRoot"/>
+      </p:par>
+    </p:tnLst>
+  </p:timing>
+</p:sld>
+</file>
+
+<file path=ppt/slides/slide19.xml><?xml version="1.0" encoding="utf-8"?>
+<p:sld xmlns:a="http://schemas.openxmlformats.org/drawingml/2006/main" xmlns:r="http://schemas.openxmlformats.org/officeDocument/2006/relationships" xmlns:p="http://schemas.openxmlformats.org/presentationml/2006/main">
+  <p:cSld>
+    <p:spTree>
+      <p:nvGrpSpPr>
+        <p:cNvPr id="1" name=""/>
+        <p:cNvGrpSpPr/>
+        <p:nvPr/>
+      </p:nvGrpSpPr>
+      <p:grpSpPr>
+        <a:xfrm>
+          <a:off x="0" y="0"/>
+          <a:ext cx="0" cy="0"/>
+          <a:chOff x="0" y="0"/>
+          <a:chExt cx="0" cy="0"/>
+        </a:xfrm>
+      </p:grpSpPr>
+      <p:sp>
+        <p:nvSpPr>
+          <p:cNvPr id="2" name="標題 1"/>
+          <p:cNvSpPr>
+            <a:spLocks noGrp="1"/>
+          </p:cNvSpPr>
+          <p:nvPr>
+            <p:ph type="title"/>
+          </p:nvPr>
+        </p:nvSpPr>
+        <p:spPr/>
+        <p:txBody>
+          <a:bodyPr/>
+          <a:lstStyle/>
+          <a:p>
+            <a:r>
+              <a:rPr lang="en-US" altLang="zh-TW" dirty="0"/>
+              <a:t>Included articles</a:t>
+            </a:r>
+            <a:endParaRPr lang="zh-TW" altLang="en-US" dirty="0"/>
           </a:p>
         </p:txBody>
       </p:sp>
       <p:pic>
         <p:nvPicPr>
-          <p:cNvPr id="4" name="圖片 3"/>
+          <p:cNvPr id="4" name="內容版面配置區 3"/>
           <p:cNvPicPr>
-            <a:picLocks noChangeAspect="1"/>
+            <a:picLocks noGrp="1" noChangeAspect="1"/>
           </p:cNvPicPr>
-          <p:nvPr/>
+          <p:nvPr>
+            <p:ph idx="1"/>
+          </p:nvPr>
         </p:nvPicPr>
         <p:blipFill>
           <a:blip r:embed="rId2"/>
@@ -4019,8 +4270,8 @@
         </p:blipFill>
         <p:spPr>
           <a:xfrm>
-            <a:off x="3409771" y="1690688"/>
-            <a:ext cx="5380157" cy="5165666"/>
+            <a:off x="838200" y="1861460"/>
+            <a:ext cx="10515600" cy="4279668"/>
           </a:xfrm>
           <a:prstGeom prst="rect">
             <a:avLst/>
@@ -4030,7 +4281,7 @@
     </p:spTree>
     <p:extLst>
       <p:ext uri="{BB962C8B-B14F-4D97-AF65-F5344CB8AC3E}">
-        <p14:creationId xmlns:p14="http://schemas.microsoft.com/office/powerpoint/2010/main" val="97908569"/>
+        <p14:creationId xmlns:p14="http://schemas.microsoft.com/office/powerpoint/2010/main" val="1001068704"/>
       </p:ext>
     </p:extLst>
   </p:cSld>
@@ -4157,6 +4408,95 @@
     <p:extLst>
       <p:ext uri="{BB962C8B-B14F-4D97-AF65-F5344CB8AC3E}">
         <p14:creationId xmlns:p14="http://schemas.microsoft.com/office/powerpoint/2010/main" val="1181919533"/>
+      </p:ext>
+    </p:extLst>
+  </p:cSld>
+  <p:clrMapOvr>
+    <a:masterClrMapping/>
+  </p:clrMapOvr>
+  <p:timing>
+    <p:tnLst>
+      <p:par>
+        <p:cTn id="1" dur="indefinite" restart="never" nodeType="tmRoot"/>
+      </p:par>
+    </p:tnLst>
+  </p:timing>
+</p:sld>
+</file>
+
+<file path=ppt/slides/slide20.xml><?xml version="1.0" encoding="utf-8"?>
+<p:sld xmlns:a="http://schemas.openxmlformats.org/drawingml/2006/main" xmlns:r="http://schemas.openxmlformats.org/officeDocument/2006/relationships" xmlns:p="http://schemas.openxmlformats.org/presentationml/2006/main">
+  <p:cSld>
+    <p:spTree>
+      <p:nvGrpSpPr>
+        <p:cNvPr id="1" name=""/>
+        <p:cNvGrpSpPr/>
+        <p:nvPr/>
+      </p:nvGrpSpPr>
+      <p:grpSpPr>
+        <a:xfrm>
+          <a:off x="0" y="0"/>
+          <a:ext cx="0" cy="0"/>
+          <a:chOff x="0" y="0"/>
+          <a:chExt cx="0" cy="0"/>
+        </a:xfrm>
+      </p:grpSpPr>
+      <p:sp>
+        <p:nvSpPr>
+          <p:cNvPr id="2" name="標題 1"/>
+          <p:cNvSpPr>
+            <a:spLocks noGrp="1"/>
+          </p:cNvSpPr>
+          <p:nvPr>
+            <p:ph type="title"/>
+          </p:nvPr>
+        </p:nvSpPr>
+        <p:spPr/>
+        <p:txBody>
+          <a:bodyPr/>
+          <a:lstStyle/>
+          <a:p>
+            <a:r>
+              <a:rPr lang="en-US" altLang="zh-TW" dirty="0"/>
+              <a:t>PRISMA Flow Diagram</a:t>
+            </a:r>
+            <a:endParaRPr lang="zh-TW" altLang="en-US" dirty="0"/>
+          </a:p>
+        </p:txBody>
+      </p:sp>
+      <p:pic>
+        <p:nvPicPr>
+          <p:cNvPr id="4" name="內容版面配置區 3"/>
+          <p:cNvPicPr>
+            <a:picLocks noGrp="1" noChangeAspect="1"/>
+          </p:cNvPicPr>
+          <p:nvPr>
+            <p:ph idx="1"/>
+          </p:nvPr>
+        </p:nvPicPr>
+        <p:blipFill>
+          <a:blip r:embed="rId2">
+            <a:extLst>
+              <a:ext uri="{28A0092B-C50C-407E-A947-70E740481C1C}">
+                <a14:useLocalDpi xmlns:a14="http://schemas.microsoft.com/office/drawing/2010/main" val="0"/>
+              </a:ext>
+            </a:extLst>
+          </a:blip>
+          <a:stretch>
+            <a:fillRect/>
+          </a:stretch>
+        </p:blipFill>
+        <p:spPr>
+          <a:xfrm>
+            <a:off x="3837233" y="1825625"/>
+            <a:ext cx="4517534" cy="4351338"/>
+          </a:xfrm>
+        </p:spPr>
+      </p:pic>
+    </p:spTree>
+    <p:extLst>
+      <p:ext uri="{BB962C8B-B14F-4D97-AF65-F5344CB8AC3E}">
+        <p14:creationId xmlns:p14="http://schemas.microsoft.com/office/powerpoint/2010/main" val="528235130"/>
       </p:ext>
     </p:extLst>
   </p:cSld>
@@ -5143,6 +5483,13 @@
   <p:clrMapOvr>
     <a:masterClrMapping/>
   </p:clrMapOvr>
+  <p:timing>
+    <p:tnLst>
+      <p:par>
+        <p:cTn id="1" dur="indefinite" restart="never" nodeType="tmRoot"/>
+      </p:par>
+    </p:tnLst>
+  </p:timing>
 </p:sld>
 </file>
 

--- a/Estrogen as an immunomodulator and its role in.pptx
+++ b/Estrogen as an immunomodulator and its role in.pptx
@@ -25,6 +25,8 @@
     <p:sldId id="273" r:id="rId19"/>
     <p:sldId id="275" r:id="rId20"/>
     <p:sldId id="274" r:id="rId21"/>
+    <p:sldId id="277" r:id="rId22"/>
+    <p:sldId id="276" r:id="rId23"/>
   </p:sldIdLst>
   <p:sldSz cx="12192000" cy="6858000"/>
   <p:notesSz cx="6858000" cy="9144000"/>
@@ -3826,7 +3828,7 @@
 </file>
 
 <file path=ppt/slides/slide16.xml><?xml version="1.0" encoding="utf-8"?>
-<p:sld xmlns:a="http://schemas.openxmlformats.org/drawingml/2006/main" xmlns:r="http://schemas.openxmlformats.org/officeDocument/2006/relationships" xmlns:p="http://schemas.openxmlformats.org/presentationml/2006/main">
+<p:sld xmlns:a="http://schemas.openxmlformats.org/drawingml/2006/main" xmlns:r="http://schemas.openxmlformats.org/officeDocument/2006/relationships" xmlns:p="http://schemas.openxmlformats.org/presentationml/2006/main" show="0">
   <p:cSld>
     <p:spTree>
       <p:nvGrpSpPr>
@@ -3982,6 +3984,14 @@
   <p:clrMapOvr>
     <a:masterClrMapping/>
   </p:clrMapOvr>
+  <mc:AlternateContent xmlns:mc="http://schemas.openxmlformats.org/markup-compatibility/2006">
+    <mc:Choice xmlns:p14="http://schemas.microsoft.com/office/powerpoint/2010/main" Requires="p14">
+      <p:transition spd="slow" p14:dur="2000"/>
+    </mc:Choice>
+    <mc:Fallback>
+      <p:transition spd="slow"/>
+    </mc:Fallback>
+  </mc:AlternateContent>
   <p:timing>
     <p:tnLst>
       <p:par>
@@ -3993,7 +4003,7 @@
 </file>
 
 <file path=ppt/slides/slide17.xml><?xml version="1.0" encoding="utf-8"?>
-<p:sld xmlns:a="http://schemas.openxmlformats.org/drawingml/2006/main" xmlns:r="http://schemas.openxmlformats.org/officeDocument/2006/relationships" xmlns:p="http://schemas.openxmlformats.org/presentationml/2006/main">
+<p:sld xmlns:a="http://schemas.openxmlformats.org/drawingml/2006/main" xmlns:r="http://schemas.openxmlformats.org/officeDocument/2006/relationships" xmlns:p="http://schemas.openxmlformats.org/presentationml/2006/main" show="0">
   <p:cSld>
     <p:spTree>
       <p:nvGrpSpPr>
@@ -4085,6 +4095,14 @@
   <p:clrMapOvr>
     <a:masterClrMapping/>
   </p:clrMapOvr>
+  <mc:AlternateContent xmlns:mc="http://schemas.openxmlformats.org/markup-compatibility/2006">
+    <mc:Choice xmlns:p14="http://schemas.microsoft.com/office/powerpoint/2010/main" Requires="p14">
+      <p:transition spd="slow" p14:dur="2000"/>
+    </mc:Choice>
+    <mc:Fallback>
+      <p:transition spd="slow"/>
+    </mc:Fallback>
+  </mc:AlternateContent>
   <p:timing>
     <p:tnLst>
       <p:par>
@@ -4096,7 +4114,7 @@
 </file>
 
 <file path=ppt/slides/slide18.xml><?xml version="1.0" encoding="utf-8"?>
-<p:sld xmlns:a="http://schemas.openxmlformats.org/drawingml/2006/main" xmlns:r="http://schemas.openxmlformats.org/officeDocument/2006/relationships" xmlns:p="http://schemas.openxmlformats.org/presentationml/2006/main">
+<p:sld xmlns:a="http://schemas.openxmlformats.org/drawingml/2006/main" xmlns:r="http://schemas.openxmlformats.org/officeDocument/2006/relationships" xmlns:p="http://schemas.openxmlformats.org/presentationml/2006/main" show="0">
   <p:cSld>
     <p:spTree>
       <p:nvGrpSpPr>
@@ -4202,6 +4220,14 @@
   <p:clrMapOvr>
     <a:masterClrMapping/>
   </p:clrMapOvr>
+  <mc:AlternateContent xmlns:mc="http://schemas.openxmlformats.org/markup-compatibility/2006">
+    <mc:Choice xmlns:p14="http://schemas.microsoft.com/office/powerpoint/2010/main" Requires="p14">
+      <p:transition spd="slow" p14:dur="2000"/>
+    </mc:Choice>
+    <mc:Fallback>
+      <p:transition spd="slow"/>
+    </mc:Fallback>
+  </mc:AlternateContent>
   <p:timing>
     <p:tnLst>
       <p:par>
@@ -4213,7 +4239,7 @@
 </file>
 
 <file path=ppt/slides/slide19.xml><?xml version="1.0" encoding="utf-8"?>
-<p:sld xmlns:a="http://schemas.openxmlformats.org/drawingml/2006/main" xmlns:r="http://schemas.openxmlformats.org/officeDocument/2006/relationships" xmlns:p="http://schemas.openxmlformats.org/presentationml/2006/main">
+<p:sld xmlns:a="http://schemas.openxmlformats.org/drawingml/2006/main" xmlns:r="http://schemas.openxmlformats.org/officeDocument/2006/relationships" xmlns:p="http://schemas.openxmlformats.org/presentationml/2006/main" show="0">
   <p:cSld>
     <p:spTree>
       <p:nvGrpSpPr>
@@ -4288,6 +4314,14 @@
   <p:clrMapOvr>
     <a:masterClrMapping/>
   </p:clrMapOvr>
+  <mc:AlternateContent xmlns:mc="http://schemas.openxmlformats.org/markup-compatibility/2006">
+    <mc:Choice xmlns:p14="http://schemas.microsoft.com/office/powerpoint/2010/main" Requires="p14">
+      <p:transition spd="slow" p14:dur="2000"/>
+    </mc:Choice>
+    <mc:Fallback>
+      <p:transition spd="slow"/>
+    </mc:Fallback>
+  </mc:AlternateContent>
 </p:sld>
 </file>
 
@@ -4425,7 +4459,7 @@
 </file>
 
 <file path=ppt/slides/slide20.xml><?xml version="1.0" encoding="utf-8"?>
-<p:sld xmlns:a="http://schemas.openxmlformats.org/drawingml/2006/main" xmlns:r="http://schemas.openxmlformats.org/officeDocument/2006/relationships" xmlns:p="http://schemas.openxmlformats.org/presentationml/2006/main">
+<p:sld xmlns:a="http://schemas.openxmlformats.org/drawingml/2006/main" xmlns:r="http://schemas.openxmlformats.org/officeDocument/2006/relationships" xmlns:p="http://schemas.openxmlformats.org/presentationml/2006/main" show="0">
   <p:cSld>
     <p:spTree>
       <p:nvGrpSpPr>
@@ -4503,6 +4537,14 @@
   <p:clrMapOvr>
     <a:masterClrMapping/>
   </p:clrMapOvr>
+  <mc:AlternateContent xmlns:mc="http://schemas.openxmlformats.org/markup-compatibility/2006">
+    <mc:Choice xmlns:p14="http://schemas.microsoft.com/office/powerpoint/2010/main" Requires="p14">
+      <p:transition spd="slow" p14:dur="2000"/>
+    </mc:Choice>
+    <mc:Fallback>
+      <p:transition spd="slow"/>
+    </mc:Fallback>
+  </mc:AlternateContent>
   <p:timing>
     <p:tnLst>
       <p:par>
@@ -4510,6 +4552,196 @@
       </p:par>
     </p:tnLst>
   </p:timing>
+</p:sld>
+</file>
+
+<file path=ppt/slides/slide21.xml><?xml version="1.0" encoding="utf-8"?>
+<p:sld xmlns:a="http://schemas.openxmlformats.org/drawingml/2006/main" xmlns:r="http://schemas.openxmlformats.org/officeDocument/2006/relationships" xmlns:p="http://schemas.openxmlformats.org/presentationml/2006/main">
+  <p:cSld>
+    <p:spTree>
+      <p:nvGrpSpPr>
+        <p:cNvPr id="1" name=""/>
+        <p:cNvGrpSpPr/>
+        <p:nvPr/>
+      </p:nvGrpSpPr>
+      <p:grpSpPr>
+        <a:xfrm>
+          <a:off x="0" y="0"/>
+          <a:ext cx="0" cy="0"/>
+          <a:chOff x="0" y="0"/>
+          <a:chExt cx="0" cy="0"/>
+        </a:xfrm>
+      </p:grpSpPr>
+      <p:sp>
+        <p:nvSpPr>
+          <p:cNvPr id="2" name="標題 1"/>
+          <p:cNvSpPr>
+            <a:spLocks noGrp="1"/>
+          </p:cNvSpPr>
+          <p:nvPr>
+            <p:ph type="title"/>
+          </p:nvPr>
+        </p:nvSpPr>
+        <p:spPr/>
+        <p:txBody>
+          <a:bodyPr/>
+          <a:lstStyle/>
+          <a:p>
+            <a:r>
+              <a:rPr lang="en-US" altLang="zh-TW" dirty="0" smtClean="0"/>
+              <a:t>Automatic exclusion</a:t>
+            </a:r>
+            <a:endParaRPr lang="zh-TW" altLang="en-US" dirty="0"/>
+          </a:p>
+        </p:txBody>
+      </p:sp>
+      <p:sp>
+        <p:nvSpPr>
+          <p:cNvPr id="3" name="內容版面配置區 2"/>
+          <p:cNvSpPr>
+            <a:spLocks noGrp="1"/>
+          </p:cNvSpPr>
+          <p:nvPr>
+            <p:ph idx="1"/>
+          </p:nvPr>
+        </p:nvSpPr>
+        <p:spPr/>
+        <p:txBody>
+          <a:bodyPr/>
+          <a:lstStyle/>
+          <a:p>
+            <a:r>
+              <a:rPr lang="en-US" altLang="zh-TW" dirty="0" smtClean="0"/>
+              <a:t>Automation tool: </a:t>
+            </a:r>
+            <a:r>
+              <a:rPr lang="en-US" altLang="zh-TW" dirty="0" err="1" smtClean="0"/>
+              <a:t>ChatGPT</a:t>
+            </a:r>
+            <a:r>
+              <a:rPr lang="en-US" altLang="zh-TW" dirty="0" smtClean="0"/>
+              <a:t> 4o</a:t>
+            </a:r>
+          </a:p>
+          <a:p>
+            <a:r>
+              <a:rPr lang="en-US" altLang="zh-TW" dirty="0" smtClean="0"/>
+              <a:t>Prompt: Review study titles to exclude obvious non-relevant topics.</a:t>
+            </a:r>
+          </a:p>
+          <a:p>
+            <a:r>
+              <a:rPr lang="en-US" altLang="zh-TW" dirty="0" smtClean="0"/>
+              <a:t>Not excluded: </a:t>
+            </a:r>
+            <a:r>
+              <a:rPr lang="en-US" altLang="zh-TW" dirty="0" smtClean="0">
+                <a:solidFill>
+                  <a:srgbClr val="0070C0"/>
+                </a:solidFill>
+              </a:rPr>
+              <a:t>Relevant_Articles_for_Review.csv</a:t>
+            </a:r>
+            <a:endParaRPr lang="zh-TW" altLang="en-US" dirty="0">
+              <a:solidFill>
+                <a:srgbClr val="0070C0"/>
+              </a:solidFill>
+            </a:endParaRPr>
+          </a:p>
+        </p:txBody>
+      </p:sp>
+    </p:spTree>
+    <p:extLst>
+      <p:ext uri="{BB962C8B-B14F-4D97-AF65-F5344CB8AC3E}">
+        <p14:creationId xmlns:p14="http://schemas.microsoft.com/office/powerpoint/2010/main" val="149110785"/>
+      </p:ext>
+    </p:extLst>
+  </p:cSld>
+  <p:clrMapOvr>
+    <a:masterClrMapping/>
+  </p:clrMapOvr>
+</p:sld>
+</file>
+
+<file path=ppt/slides/slide22.xml><?xml version="1.0" encoding="utf-8"?>
+<p:sld xmlns:a="http://schemas.openxmlformats.org/drawingml/2006/main" xmlns:r="http://schemas.openxmlformats.org/officeDocument/2006/relationships" xmlns:p="http://schemas.openxmlformats.org/presentationml/2006/main">
+  <p:cSld>
+    <p:spTree>
+      <p:nvGrpSpPr>
+        <p:cNvPr id="1" name=""/>
+        <p:cNvGrpSpPr/>
+        <p:nvPr/>
+      </p:nvGrpSpPr>
+      <p:grpSpPr>
+        <a:xfrm>
+          <a:off x="0" y="0"/>
+          <a:ext cx="0" cy="0"/>
+          <a:chOff x="0" y="0"/>
+          <a:chExt cx="0" cy="0"/>
+        </a:xfrm>
+      </p:grpSpPr>
+      <p:sp>
+        <p:nvSpPr>
+          <p:cNvPr id="2" name="標題 1"/>
+          <p:cNvSpPr>
+            <a:spLocks noGrp="1"/>
+          </p:cNvSpPr>
+          <p:nvPr>
+            <p:ph type="title"/>
+          </p:nvPr>
+        </p:nvSpPr>
+        <p:spPr/>
+        <p:txBody>
+          <a:bodyPr/>
+          <a:lstStyle/>
+          <a:p>
+            <a:r>
+              <a:rPr lang="en-US" altLang="zh-TW" dirty="0" smtClean="0"/>
+              <a:t>PRISMA Flow Diagram</a:t>
+            </a:r>
+            <a:endParaRPr lang="zh-TW" altLang="en-US" dirty="0"/>
+          </a:p>
+        </p:txBody>
+      </p:sp>
+      <p:pic>
+        <p:nvPicPr>
+          <p:cNvPr id="4" name="內容版面配置區 3"/>
+          <p:cNvPicPr>
+            <a:picLocks noGrp="1" noChangeAspect="1"/>
+          </p:cNvPicPr>
+          <p:nvPr>
+            <p:ph idx="1"/>
+          </p:nvPr>
+        </p:nvPicPr>
+        <p:blipFill>
+          <a:blip r:embed="rId2">
+            <a:extLst>
+              <a:ext uri="{28A0092B-C50C-407E-A947-70E740481C1C}">
+                <a14:useLocalDpi xmlns:a14="http://schemas.microsoft.com/office/drawing/2010/main" val="0"/>
+              </a:ext>
+            </a:extLst>
+          </a:blip>
+          <a:stretch>
+            <a:fillRect/>
+          </a:stretch>
+        </p:blipFill>
+        <p:spPr>
+          <a:xfrm>
+            <a:off x="3970101" y="1825625"/>
+            <a:ext cx="4251797" cy="4351338"/>
+          </a:xfrm>
+        </p:spPr>
+      </p:pic>
+    </p:spTree>
+    <p:extLst>
+      <p:ext uri="{BB962C8B-B14F-4D97-AF65-F5344CB8AC3E}">
+        <p14:creationId xmlns:p14="http://schemas.microsoft.com/office/powerpoint/2010/main" val="2799957991"/>
+      </p:ext>
+    </p:extLst>
+  </p:cSld>
+  <p:clrMapOvr>
+    <a:masterClrMapping/>
+  </p:clrMapOvr>
 </p:sld>
 </file>
 

--- a/Estrogen as an immunomodulator and its role in.pptx
+++ b/Estrogen as an immunomodulator and its role in.pptx
@@ -4642,11 +4642,13 @@
               </a:rPr>
               <a:t>Relevant_Articles_for_Review.csv</a:t>
             </a:r>
-            <a:endParaRPr lang="zh-TW" altLang="en-US" dirty="0">
-              <a:solidFill>
-                <a:srgbClr val="0070C0"/>
-              </a:solidFill>
-            </a:endParaRPr>
+          </a:p>
+          <a:p>
+            <a:r>
+              <a:rPr lang="en-US" altLang="zh-TW" dirty="0" smtClean="0"/>
+              <a:t>2617 articles</a:t>
+            </a:r>
+            <a:endParaRPr lang="zh-TW" altLang="en-US" dirty="0"/>
           </a:p>
         </p:txBody>
       </p:sp>
@@ -4798,7 +4800,7 @@
         <p:spPr/>
         <p:txBody>
           <a:bodyPr>
-            <a:normAutofit lnSpcReduction="10000"/>
+            <a:normAutofit fontScale="92500" lnSpcReduction="20000"/>
           </a:bodyPr>
           <a:lstStyle/>
           <a:p>
@@ -4817,7 +4819,15 @@
             <a:pPr lvl="1"/>
             <a:r>
               <a:rPr lang="en-US" altLang="zh-TW" dirty="0"/>
-              <a:t>Studies on humans or animal models relevant to estrogen's effects on immune function.</a:t>
+              <a:t>Studies on humans </a:t>
+            </a:r>
+            <a:r>
+              <a:rPr lang="en-US" altLang="zh-TW" dirty="0" smtClean="0"/>
+              <a:t>relevant </a:t>
+            </a:r>
+            <a:r>
+              <a:rPr lang="en-US" altLang="zh-TW" dirty="0"/>
+              <a:t>to estrogen's effects on immune function.</a:t>
             </a:r>
             <a:endParaRPr lang="zh-TW" altLang="zh-TW" dirty="0"/>
           </a:p>
@@ -4885,15 +4895,50 @@
             <a:pPr lvl="1"/>
             <a:r>
               <a:rPr lang="en-US" altLang="zh-TW" dirty="0"/>
-              <a:t>Irrelevant topics: non-immune functions of </a:t>
+              <a:t>Irrelevant topics: </a:t>
+            </a:r>
+            <a:endParaRPr lang="en-US" altLang="zh-TW" dirty="0" smtClean="0"/>
+          </a:p>
+          <a:p>
+            <a:pPr lvl="2"/>
+            <a:r>
+              <a:rPr lang="en-US" altLang="zh-TW" dirty="0" smtClean="0"/>
+              <a:t>non-immune </a:t>
+            </a:r>
+            <a:r>
+              <a:rPr lang="en-US" altLang="zh-TW" dirty="0"/>
+              <a:t>functions of </a:t>
             </a:r>
             <a:r>
               <a:rPr lang="en-US" altLang="zh-TW" dirty="0" smtClean="0"/>
               <a:t>estrogen, </a:t>
             </a:r>
-            <a:r>
-              <a:rPr lang="en-US" altLang="zh-TW" dirty="0"/>
-              <a:t>No mention of estrogen</a:t>
+            <a:endParaRPr lang="en-US" altLang="zh-TW" dirty="0" smtClean="0"/>
+          </a:p>
+          <a:p>
+            <a:pPr lvl="2"/>
+            <a:r>
+              <a:rPr lang="en-US" altLang="zh-TW" dirty="0" smtClean="0"/>
+              <a:t>No </a:t>
+            </a:r>
+            <a:r>
+              <a:rPr lang="en-US" altLang="zh-TW" dirty="0"/>
+              <a:t>mention of </a:t>
+            </a:r>
+            <a:r>
+              <a:rPr lang="en-US" altLang="zh-TW" dirty="0" smtClean="0"/>
+              <a:t>estrogen</a:t>
+            </a:r>
+          </a:p>
+          <a:p>
+            <a:pPr lvl="2"/>
+            <a:r>
+              <a:rPr lang="en-US" altLang="zh-TW" dirty="0" smtClean="0"/>
+              <a:t>Studies on </a:t>
+            </a:r>
+            <a:r>
+              <a:rPr lang="en-US" altLang="zh-TW" dirty="0"/>
+              <a:t>animal models</a:t>
             </a:r>
             <a:endParaRPr lang="zh-TW" altLang="zh-TW" dirty="0"/>
           </a:p>

--- a/Estrogen as an immunomodulator and its role in.pptx
+++ b/Estrogen as an immunomodulator and its role in.pptx
@@ -27,6 +27,9 @@
     <p:sldId id="274" r:id="rId21"/>
     <p:sldId id="277" r:id="rId22"/>
     <p:sldId id="276" r:id="rId23"/>
+    <p:sldId id="278" r:id="rId24"/>
+    <p:sldId id="279" r:id="rId25"/>
+    <p:sldId id="280" r:id="rId26"/>
   </p:sldIdLst>
   <p:sldSz cx="12192000" cy="6858000"/>
   <p:notesSz cx="6858000" cy="9144000"/>
@@ -264,7 +267,7 @@
           <a:p>
             <a:fld id="{7283683F-B03E-4209-A61D-596B1E8CE257}" type="datetimeFigureOut">
               <a:rPr lang="zh-TW" altLang="en-US" smtClean="0"/>
-              <a:t>2024/12/8</a:t>
+              <a:t>2024/12/15</a:t>
             </a:fld>
             <a:endParaRPr lang="zh-TW" altLang="en-US"/>
           </a:p>
@@ -434,7 +437,7 @@
           <a:p>
             <a:fld id="{7283683F-B03E-4209-A61D-596B1E8CE257}" type="datetimeFigureOut">
               <a:rPr lang="zh-TW" altLang="en-US" smtClean="0"/>
-              <a:t>2024/12/8</a:t>
+              <a:t>2024/12/15</a:t>
             </a:fld>
             <a:endParaRPr lang="zh-TW" altLang="en-US"/>
           </a:p>
@@ -614,7 +617,7 @@
           <a:p>
             <a:fld id="{7283683F-B03E-4209-A61D-596B1E8CE257}" type="datetimeFigureOut">
               <a:rPr lang="zh-TW" altLang="en-US" smtClean="0"/>
-              <a:t>2024/12/8</a:t>
+              <a:t>2024/12/15</a:t>
             </a:fld>
             <a:endParaRPr lang="zh-TW" altLang="en-US"/>
           </a:p>
@@ -784,7 +787,7 @@
           <a:p>
             <a:fld id="{7283683F-B03E-4209-A61D-596B1E8CE257}" type="datetimeFigureOut">
               <a:rPr lang="zh-TW" altLang="en-US" smtClean="0"/>
-              <a:t>2024/12/8</a:t>
+              <a:t>2024/12/15</a:t>
             </a:fld>
             <a:endParaRPr lang="zh-TW" altLang="en-US"/>
           </a:p>
@@ -1030,7 +1033,7 @@
           <a:p>
             <a:fld id="{7283683F-B03E-4209-A61D-596B1E8CE257}" type="datetimeFigureOut">
               <a:rPr lang="zh-TW" altLang="en-US" smtClean="0"/>
-              <a:t>2024/12/8</a:t>
+              <a:t>2024/12/15</a:t>
             </a:fld>
             <a:endParaRPr lang="zh-TW" altLang="en-US"/>
           </a:p>
@@ -1262,7 +1265,7 @@
           <a:p>
             <a:fld id="{7283683F-B03E-4209-A61D-596B1E8CE257}" type="datetimeFigureOut">
               <a:rPr lang="zh-TW" altLang="en-US" smtClean="0"/>
-              <a:t>2024/12/8</a:t>
+              <a:t>2024/12/15</a:t>
             </a:fld>
             <a:endParaRPr lang="zh-TW" altLang="en-US"/>
           </a:p>
@@ -1629,7 +1632,7 @@
           <a:p>
             <a:fld id="{7283683F-B03E-4209-A61D-596B1E8CE257}" type="datetimeFigureOut">
               <a:rPr lang="zh-TW" altLang="en-US" smtClean="0"/>
-              <a:t>2024/12/8</a:t>
+              <a:t>2024/12/15</a:t>
             </a:fld>
             <a:endParaRPr lang="zh-TW" altLang="en-US"/>
           </a:p>
@@ -1747,7 +1750,7 @@
           <a:p>
             <a:fld id="{7283683F-B03E-4209-A61D-596B1E8CE257}" type="datetimeFigureOut">
               <a:rPr lang="zh-TW" altLang="en-US" smtClean="0"/>
-              <a:t>2024/12/8</a:t>
+              <a:t>2024/12/15</a:t>
             </a:fld>
             <a:endParaRPr lang="zh-TW" altLang="en-US"/>
           </a:p>
@@ -1842,7 +1845,7 @@
           <a:p>
             <a:fld id="{7283683F-B03E-4209-A61D-596B1E8CE257}" type="datetimeFigureOut">
               <a:rPr lang="zh-TW" altLang="en-US" smtClean="0"/>
-              <a:t>2024/12/8</a:t>
+              <a:t>2024/12/15</a:t>
             </a:fld>
             <a:endParaRPr lang="zh-TW" altLang="en-US"/>
           </a:p>
@@ -2119,7 +2122,7 @@
           <a:p>
             <a:fld id="{7283683F-B03E-4209-A61D-596B1E8CE257}" type="datetimeFigureOut">
               <a:rPr lang="zh-TW" altLang="en-US" smtClean="0"/>
-              <a:t>2024/12/8</a:t>
+              <a:t>2024/12/15</a:t>
             </a:fld>
             <a:endParaRPr lang="zh-TW" altLang="en-US"/>
           </a:p>
@@ -2372,7 +2375,7 @@
           <a:p>
             <a:fld id="{7283683F-B03E-4209-A61D-596B1E8CE257}" type="datetimeFigureOut">
               <a:rPr lang="zh-TW" altLang="en-US" smtClean="0"/>
-              <a:t>2024/12/8</a:t>
+              <a:t>2024/12/15</a:t>
             </a:fld>
             <a:endParaRPr lang="zh-TW" altLang="en-US"/>
           </a:p>
@@ -2585,7 +2588,7 @@
           <a:p>
             <a:fld id="{7283683F-B03E-4209-A61D-596B1E8CE257}" type="datetimeFigureOut">
               <a:rPr lang="zh-TW" altLang="en-US" smtClean="0"/>
-              <a:t>2024/12/8</a:t>
+              <a:t>2024/12/15</a:t>
             </a:fld>
             <a:endParaRPr lang="zh-TW" altLang="en-US"/>
           </a:p>
@@ -3984,11 +3987,11 @@
   <p:clrMapOvr>
     <a:masterClrMapping/>
   </p:clrMapOvr>
-  <mc:AlternateContent xmlns:mc="http://schemas.openxmlformats.org/markup-compatibility/2006">
-    <mc:Choice xmlns:p14="http://schemas.microsoft.com/office/powerpoint/2010/main" Requires="p14">
+  <mc:AlternateContent xmlns:mc="http://schemas.openxmlformats.org/markup-compatibility/2006" xmlns:p14="http://schemas.microsoft.com/office/powerpoint/2010/main">
+    <mc:Choice Requires="p14">
       <p:transition spd="slow" p14:dur="2000"/>
     </mc:Choice>
-    <mc:Fallback>
+    <mc:Fallback xmlns="">
       <p:transition spd="slow"/>
     </mc:Fallback>
   </mc:AlternateContent>
@@ -4095,11 +4098,11 @@
   <p:clrMapOvr>
     <a:masterClrMapping/>
   </p:clrMapOvr>
-  <mc:AlternateContent xmlns:mc="http://schemas.openxmlformats.org/markup-compatibility/2006">
-    <mc:Choice xmlns:p14="http://schemas.microsoft.com/office/powerpoint/2010/main" Requires="p14">
+  <mc:AlternateContent xmlns:mc="http://schemas.openxmlformats.org/markup-compatibility/2006" xmlns:p14="http://schemas.microsoft.com/office/powerpoint/2010/main">
+    <mc:Choice Requires="p14">
       <p:transition spd="slow" p14:dur="2000"/>
     </mc:Choice>
-    <mc:Fallback>
+    <mc:Fallback xmlns="">
       <p:transition spd="slow"/>
     </mc:Fallback>
   </mc:AlternateContent>
@@ -4220,11 +4223,11 @@
   <p:clrMapOvr>
     <a:masterClrMapping/>
   </p:clrMapOvr>
-  <mc:AlternateContent xmlns:mc="http://schemas.openxmlformats.org/markup-compatibility/2006">
-    <mc:Choice xmlns:p14="http://schemas.microsoft.com/office/powerpoint/2010/main" Requires="p14">
+  <mc:AlternateContent xmlns:mc="http://schemas.openxmlformats.org/markup-compatibility/2006" xmlns:p14="http://schemas.microsoft.com/office/powerpoint/2010/main">
+    <mc:Choice Requires="p14">
       <p:transition spd="slow" p14:dur="2000"/>
     </mc:Choice>
-    <mc:Fallback>
+    <mc:Fallback xmlns="">
       <p:transition spd="slow"/>
     </mc:Fallback>
   </mc:AlternateContent>
@@ -4314,11 +4317,11 @@
   <p:clrMapOvr>
     <a:masterClrMapping/>
   </p:clrMapOvr>
-  <mc:AlternateContent xmlns:mc="http://schemas.openxmlformats.org/markup-compatibility/2006">
-    <mc:Choice xmlns:p14="http://schemas.microsoft.com/office/powerpoint/2010/main" Requires="p14">
+  <mc:AlternateContent xmlns:mc="http://schemas.openxmlformats.org/markup-compatibility/2006" xmlns:p14="http://schemas.microsoft.com/office/powerpoint/2010/main">
+    <mc:Choice Requires="p14">
       <p:transition spd="slow" p14:dur="2000"/>
     </mc:Choice>
-    <mc:Fallback>
+    <mc:Fallback xmlns="">
       <p:transition spd="slow"/>
     </mc:Fallback>
   </mc:AlternateContent>
@@ -4537,11 +4540,11 @@
   <p:clrMapOvr>
     <a:masterClrMapping/>
   </p:clrMapOvr>
-  <mc:AlternateContent xmlns:mc="http://schemas.openxmlformats.org/markup-compatibility/2006">
-    <mc:Choice xmlns:p14="http://schemas.microsoft.com/office/powerpoint/2010/main" Requires="p14">
+  <mc:AlternateContent xmlns:mc="http://schemas.openxmlformats.org/markup-compatibility/2006" xmlns:p14="http://schemas.microsoft.com/office/powerpoint/2010/main">
+    <mc:Choice Requires="p14">
       <p:transition spd="slow" p14:dur="2000"/>
     </mc:Choice>
-    <mc:Fallback>
+    <mc:Fallback xmlns="">
       <p:transition spd="slow"/>
     </mc:Fallback>
   </mc:AlternateContent>
@@ -4747,6 +4750,283 @@
 </p:sld>
 </file>
 
+<file path=ppt/slides/slide23.xml><?xml version="1.0" encoding="utf-8"?>
+<p:sld xmlns:a="http://schemas.openxmlformats.org/drawingml/2006/main" xmlns:r="http://schemas.openxmlformats.org/officeDocument/2006/relationships" xmlns:p="http://schemas.openxmlformats.org/presentationml/2006/main">
+  <p:cSld>
+    <p:spTree>
+      <p:nvGrpSpPr>
+        <p:cNvPr id="1" name=""/>
+        <p:cNvGrpSpPr/>
+        <p:nvPr/>
+      </p:nvGrpSpPr>
+      <p:grpSpPr>
+        <a:xfrm>
+          <a:off x="0" y="0"/>
+          <a:ext cx="0" cy="0"/>
+          <a:chOff x="0" y="0"/>
+          <a:chExt cx="0" cy="0"/>
+        </a:xfrm>
+      </p:grpSpPr>
+      <p:sp>
+        <p:nvSpPr>
+          <p:cNvPr id="2" name="標題 1"/>
+          <p:cNvSpPr>
+            <a:spLocks noGrp="1"/>
+          </p:cNvSpPr>
+          <p:nvPr>
+            <p:ph type="title"/>
+          </p:nvPr>
+        </p:nvSpPr>
+        <p:spPr/>
+        <p:txBody>
+          <a:bodyPr/>
+          <a:lstStyle/>
+          <a:p>
+            <a:r>
+              <a:rPr lang="en-US" altLang="zh-TW" dirty="0" smtClean="0"/>
+              <a:t>Included articles</a:t>
+            </a:r>
+            <a:endParaRPr lang="zh-TW" altLang="en-US" dirty="0"/>
+          </a:p>
+        </p:txBody>
+      </p:sp>
+      <p:sp>
+        <p:nvSpPr>
+          <p:cNvPr id="3" name="內容版面配置區 2"/>
+          <p:cNvSpPr>
+            <a:spLocks noGrp="1"/>
+          </p:cNvSpPr>
+          <p:nvPr>
+            <p:ph idx="1"/>
+          </p:nvPr>
+        </p:nvSpPr>
+        <p:spPr/>
+        <p:txBody>
+          <a:bodyPr/>
+          <a:lstStyle/>
+          <a:p>
+            <a:r>
+              <a:rPr lang="en-US" altLang="zh-TW" dirty="0" smtClean="0"/>
+              <a:t>Included: 138 articles</a:t>
+            </a:r>
+          </a:p>
+          <a:p>
+            <a:r>
+              <a:rPr lang="en-US" altLang="zh-TW" dirty="0" smtClean="0"/>
+              <a:t>Full text</a:t>
+            </a:r>
+            <a:r>
+              <a:rPr lang="en-US" altLang="zh-TW" dirty="0"/>
+              <a:t>: </a:t>
+            </a:r>
+            <a:r>
+              <a:rPr lang="en-US" altLang="zh-TW" dirty="0">
+                <a:hlinkClick r:id="rId2"/>
+              </a:rPr>
+              <a:t>https://</a:t>
+            </a:r>
+            <a:r>
+              <a:rPr lang="en-US" altLang="zh-TW" dirty="0" smtClean="0">
+                <a:hlinkClick r:id="rId2"/>
+              </a:rPr>
+              <a:t>drive.google.com/drive/folders/1HLX0h62yaKxmXZijJbYUfb-o0R_7a9au?usp=drive_link</a:t>
+            </a:r>
+            <a:endParaRPr lang="en-US" altLang="zh-TW" dirty="0" smtClean="0"/>
+          </a:p>
+          <a:p>
+            <a:endParaRPr lang="zh-TW" altLang="en-US" dirty="0"/>
+          </a:p>
+        </p:txBody>
+      </p:sp>
+    </p:spTree>
+    <p:extLst>
+      <p:ext uri="{BB962C8B-B14F-4D97-AF65-F5344CB8AC3E}">
+        <p14:creationId xmlns:p14="http://schemas.microsoft.com/office/powerpoint/2010/main" val="3771893243"/>
+      </p:ext>
+    </p:extLst>
+  </p:cSld>
+  <p:clrMapOvr>
+    <a:masterClrMapping/>
+  </p:clrMapOvr>
+</p:sld>
+</file>
+
+<file path=ppt/slides/slide24.xml><?xml version="1.0" encoding="utf-8"?>
+<p:sld xmlns:a="http://schemas.openxmlformats.org/drawingml/2006/main" xmlns:r="http://schemas.openxmlformats.org/officeDocument/2006/relationships" xmlns:p="http://schemas.openxmlformats.org/presentationml/2006/main">
+  <p:cSld>
+    <p:spTree>
+      <p:nvGrpSpPr>
+        <p:cNvPr id="1" name=""/>
+        <p:cNvGrpSpPr/>
+        <p:nvPr/>
+      </p:nvGrpSpPr>
+      <p:grpSpPr>
+        <a:xfrm>
+          <a:off x="0" y="0"/>
+          <a:ext cx="0" cy="0"/>
+          <a:chOff x="0" y="0"/>
+          <a:chExt cx="0" cy="0"/>
+        </a:xfrm>
+      </p:grpSpPr>
+      <p:sp>
+        <p:nvSpPr>
+          <p:cNvPr id="2" name="標題 1"/>
+          <p:cNvSpPr>
+            <a:spLocks noGrp="1"/>
+          </p:cNvSpPr>
+          <p:nvPr>
+            <p:ph type="title"/>
+          </p:nvPr>
+        </p:nvSpPr>
+        <p:spPr/>
+        <p:txBody>
+          <a:bodyPr/>
+          <a:lstStyle/>
+          <a:p>
+            <a:r>
+              <a:rPr lang="en-US" altLang="zh-TW" dirty="0"/>
+              <a:t>PRISMA Flow Diagram</a:t>
+            </a:r>
+            <a:endParaRPr lang="zh-TW" altLang="en-US" dirty="0"/>
+          </a:p>
+        </p:txBody>
+      </p:sp>
+      <p:pic>
+        <p:nvPicPr>
+          <p:cNvPr id="4" name="內容版面配置區 3"/>
+          <p:cNvPicPr>
+            <a:picLocks noGrp="1" noChangeAspect="1"/>
+          </p:cNvPicPr>
+          <p:nvPr>
+            <p:ph idx="1"/>
+          </p:nvPr>
+        </p:nvPicPr>
+        <p:blipFill>
+          <a:blip r:embed="rId2">
+            <a:extLst>
+              <a:ext uri="{28A0092B-C50C-407E-A947-70E740481C1C}">
+                <a14:useLocalDpi xmlns:a14="http://schemas.microsoft.com/office/drawing/2010/main" val="0"/>
+              </a:ext>
+            </a:extLst>
+          </a:blip>
+          <a:stretch>
+            <a:fillRect/>
+          </a:stretch>
+        </p:blipFill>
+        <p:spPr>
+          <a:xfrm>
+            <a:off x="3970101" y="1825625"/>
+            <a:ext cx="4251797" cy="4351338"/>
+          </a:xfrm>
+        </p:spPr>
+      </p:pic>
+    </p:spTree>
+    <p:extLst>
+      <p:ext uri="{BB962C8B-B14F-4D97-AF65-F5344CB8AC3E}">
+        <p14:creationId xmlns:p14="http://schemas.microsoft.com/office/powerpoint/2010/main" val="1711064177"/>
+      </p:ext>
+    </p:extLst>
+  </p:cSld>
+  <p:clrMapOvr>
+    <a:masterClrMapping/>
+  </p:clrMapOvr>
+</p:sld>
+</file>
+
+<file path=ppt/slides/slide25.xml><?xml version="1.0" encoding="utf-8"?>
+<p:sld xmlns:a="http://schemas.openxmlformats.org/drawingml/2006/main" xmlns:r="http://schemas.openxmlformats.org/officeDocument/2006/relationships" xmlns:p="http://schemas.openxmlformats.org/presentationml/2006/main">
+  <p:cSld>
+    <p:spTree>
+      <p:nvGrpSpPr>
+        <p:cNvPr id="1" name=""/>
+        <p:cNvGrpSpPr/>
+        <p:nvPr/>
+      </p:nvGrpSpPr>
+      <p:grpSpPr>
+        <a:xfrm>
+          <a:off x="0" y="0"/>
+          <a:ext cx="0" cy="0"/>
+          <a:chOff x="0" y="0"/>
+          <a:chExt cx="0" cy="0"/>
+        </a:xfrm>
+      </p:grpSpPr>
+      <p:sp>
+        <p:nvSpPr>
+          <p:cNvPr id="2" name="標題 1"/>
+          <p:cNvSpPr>
+            <a:spLocks noGrp="1"/>
+          </p:cNvSpPr>
+          <p:nvPr>
+            <p:ph type="title"/>
+          </p:nvPr>
+        </p:nvSpPr>
+        <p:spPr/>
+        <p:txBody>
+          <a:bodyPr/>
+          <a:lstStyle/>
+          <a:p>
+            <a:r>
+              <a:rPr lang="en-US" altLang="zh-TW" dirty="0" smtClean="0"/>
+              <a:t>Acknowledgement </a:t>
+            </a:r>
+            <a:endParaRPr lang="zh-TW" altLang="en-US" dirty="0"/>
+          </a:p>
+        </p:txBody>
+      </p:sp>
+      <p:sp>
+        <p:nvSpPr>
+          <p:cNvPr id="3" name="內容版面配置區 2"/>
+          <p:cNvSpPr>
+            <a:spLocks noGrp="1"/>
+          </p:cNvSpPr>
+          <p:nvPr>
+            <p:ph idx="1"/>
+          </p:nvPr>
+        </p:nvSpPr>
+        <p:spPr/>
+        <p:txBody>
+          <a:bodyPr/>
+          <a:lstStyle/>
+          <a:p>
+            <a:r>
+              <a:rPr lang="en-US" altLang="zh-TW" dirty="0" smtClean="0"/>
+              <a:t>Ting-Zhen (Melissa) You resolved duplicated articles and organized full texts.</a:t>
+            </a:r>
+          </a:p>
+          <a:p>
+            <a:r>
+              <a:rPr lang="en-US" altLang="zh-TW" dirty="0" err="1" smtClean="0"/>
+              <a:t>Taiyou</a:t>
+            </a:r>
+            <a:r>
+              <a:rPr lang="en-US" altLang="zh-TW" dirty="0" smtClean="0"/>
+              <a:t> Lin created </a:t>
+            </a:r>
+            <a:r>
+              <a:rPr lang="en-US" altLang="zh-TW" dirty="0" err="1" smtClean="0"/>
+              <a:t>ChatGPT</a:t>
+            </a:r>
+            <a:r>
+              <a:rPr lang="en-US" altLang="zh-TW" dirty="0" smtClean="0"/>
+              <a:t> prompt.</a:t>
+            </a:r>
+            <a:endParaRPr lang="zh-TW" altLang="en-US" dirty="0"/>
+          </a:p>
+        </p:txBody>
+      </p:sp>
+    </p:spTree>
+    <p:extLst>
+      <p:ext uri="{BB962C8B-B14F-4D97-AF65-F5344CB8AC3E}">
+        <p14:creationId xmlns:p14="http://schemas.microsoft.com/office/powerpoint/2010/main" val="3399011293"/>
+      </p:ext>
+    </p:extLst>
+  </p:cSld>
+  <p:clrMapOvr>
+    <a:masterClrMapping/>
+  </p:clrMapOvr>
+</p:sld>
+</file>
+
 <file path=ppt/slides/slide3.xml><?xml version="1.0" encoding="utf-8"?>
 <p:sld xmlns:a="http://schemas.openxmlformats.org/drawingml/2006/main" xmlns:r="http://schemas.openxmlformats.org/officeDocument/2006/relationships" xmlns:p="http://schemas.openxmlformats.org/presentationml/2006/main">
   <p:cSld>
@@ -4913,7 +5193,6 @@
               <a:rPr lang="en-US" altLang="zh-TW" dirty="0" smtClean="0"/>
               <a:t>estrogen, </a:t>
             </a:r>
-            <a:endParaRPr lang="en-US" altLang="zh-TW" dirty="0" smtClean="0"/>
           </a:p>
           <a:p>
             <a:pPr lvl="2"/>

--- a/Estrogen as an immunomodulator and its role in.pptx
+++ b/Estrogen as an immunomodulator and its role in.pptx
@@ -9,27 +9,28 @@
     <p:sldId id="257" r:id="rId3"/>
     <p:sldId id="258" r:id="rId4"/>
     <p:sldId id="259" r:id="rId5"/>
-    <p:sldId id="267" r:id="rId6"/>
-    <p:sldId id="262" r:id="rId7"/>
-    <p:sldId id="268" r:id="rId8"/>
-    <p:sldId id="260" r:id="rId9"/>
-    <p:sldId id="265" r:id="rId10"/>
-    <p:sldId id="266" r:id="rId11"/>
-    <p:sldId id="263" r:id="rId12"/>
-    <p:sldId id="261" r:id="rId13"/>
-    <p:sldId id="264" r:id="rId14"/>
-    <p:sldId id="270" r:id="rId15"/>
-    <p:sldId id="269" r:id="rId16"/>
-    <p:sldId id="271" r:id="rId17"/>
-    <p:sldId id="272" r:id="rId18"/>
-    <p:sldId id="273" r:id="rId19"/>
-    <p:sldId id="275" r:id="rId20"/>
-    <p:sldId id="274" r:id="rId21"/>
-    <p:sldId id="277" r:id="rId22"/>
-    <p:sldId id="276" r:id="rId23"/>
-    <p:sldId id="278" r:id="rId24"/>
-    <p:sldId id="279" r:id="rId25"/>
-    <p:sldId id="280" r:id="rId26"/>
+    <p:sldId id="281" r:id="rId6"/>
+    <p:sldId id="267" r:id="rId7"/>
+    <p:sldId id="262" r:id="rId8"/>
+    <p:sldId id="268" r:id="rId9"/>
+    <p:sldId id="260" r:id="rId10"/>
+    <p:sldId id="265" r:id="rId11"/>
+    <p:sldId id="266" r:id="rId12"/>
+    <p:sldId id="263" r:id="rId13"/>
+    <p:sldId id="261" r:id="rId14"/>
+    <p:sldId id="264" r:id="rId15"/>
+    <p:sldId id="270" r:id="rId16"/>
+    <p:sldId id="269" r:id="rId17"/>
+    <p:sldId id="271" r:id="rId18"/>
+    <p:sldId id="272" r:id="rId19"/>
+    <p:sldId id="273" r:id="rId20"/>
+    <p:sldId id="275" r:id="rId21"/>
+    <p:sldId id="274" r:id="rId22"/>
+    <p:sldId id="277" r:id="rId23"/>
+    <p:sldId id="276" r:id="rId24"/>
+    <p:sldId id="278" r:id="rId25"/>
+    <p:sldId id="279" r:id="rId26"/>
+    <p:sldId id="280" r:id="rId27"/>
   </p:sldIdLst>
   <p:sldSz cx="12192000" cy="6858000"/>
   <p:notesSz cx="6858000" cy="9144000"/>
@@ -267,7 +268,7 @@
           <a:p>
             <a:fld id="{7283683F-B03E-4209-A61D-596B1E8CE257}" type="datetimeFigureOut">
               <a:rPr lang="zh-TW" altLang="en-US" smtClean="0"/>
-              <a:t>2024/12/15</a:t>
+              <a:t>2024/12/18</a:t>
             </a:fld>
             <a:endParaRPr lang="zh-TW" altLang="en-US"/>
           </a:p>
@@ -437,7 +438,7 @@
           <a:p>
             <a:fld id="{7283683F-B03E-4209-A61D-596B1E8CE257}" type="datetimeFigureOut">
               <a:rPr lang="zh-TW" altLang="en-US" smtClean="0"/>
-              <a:t>2024/12/15</a:t>
+              <a:t>2024/12/18</a:t>
             </a:fld>
             <a:endParaRPr lang="zh-TW" altLang="en-US"/>
           </a:p>
@@ -617,7 +618,7 @@
           <a:p>
             <a:fld id="{7283683F-B03E-4209-A61D-596B1E8CE257}" type="datetimeFigureOut">
               <a:rPr lang="zh-TW" altLang="en-US" smtClean="0"/>
-              <a:t>2024/12/15</a:t>
+              <a:t>2024/12/18</a:t>
             </a:fld>
             <a:endParaRPr lang="zh-TW" altLang="en-US"/>
           </a:p>
@@ -787,7 +788,7 @@
           <a:p>
             <a:fld id="{7283683F-B03E-4209-A61D-596B1E8CE257}" type="datetimeFigureOut">
               <a:rPr lang="zh-TW" altLang="en-US" smtClean="0"/>
-              <a:t>2024/12/15</a:t>
+              <a:t>2024/12/18</a:t>
             </a:fld>
             <a:endParaRPr lang="zh-TW" altLang="en-US"/>
           </a:p>
@@ -1033,7 +1034,7 @@
           <a:p>
             <a:fld id="{7283683F-B03E-4209-A61D-596B1E8CE257}" type="datetimeFigureOut">
               <a:rPr lang="zh-TW" altLang="en-US" smtClean="0"/>
-              <a:t>2024/12/15</a:t>
+              <a:t>2024/12/18</a:t>
             </a:fld>
             <a:endParaRPr lang="zh-TW" altLang="en-US"/>
           </a:p>
@@ -1265,7 +1266,7 @@
           <a:p>
             <a:fld id="{7283683F-B03E-4209-A61D-596B1E8CE257}" type="datetimeFigureOut">
               <a:rPr lang="zh-TW" altLang="en-US" smtClean="0"/>
-              <a:t>2024/12/15</a:t>
+              <a:t>2024/12/18</a:t>
             </a:fld>
             <a:endParaRPr lang="zh-TW" altLang="en-US"/>
           </a:p>
@@ -1632,7 +1633,7 @@
           <a:p>
             <a:fld id="{7283683F-B03E-4209-A61D-596B1E8CE257}" type="datetimeFigureOut">
               <a:rPr lang="zh-TW" altLang="en-US" smtClean="0"/>
-              <a:t>2024/12/15</a:t>
+              <a:t>2024/12/18</a:t>
             </a:fld>
             <a:endParaRPr lang="zh-TW" altLang="en-US"/>
           </a:p>
@@ -1750,7 +1751,7 @@
           <a:p>
             <a:fld id="{7283683F-B03E-4209-A61D-596B1E8CE257}" type="datetimeFigureOut">
               <a:rPr lang="zh-TW" altLang="en-US" smtClean="0"/>
-              <a:t>2024/12/15</a:t>
+              <a:t>2024/12/18</a:t>
             </a:fld>
             <a:endParaRPr lang="zh-TW" altLang="en-US"/>
           </a:p>
@@ -1845,7 +1846,7 @@
           <a:p>
             <a:fld id="{7283683F-B03E-4209-A61D-596B1E8CE257}" type="datetimeFigureOut">
               <a:rPr lang="zh-TW" altLang="en-US" smtClean="0"/>
-              <a:t>2024/12/15</a:t>
+              <a:t>2024/12/18</a:t>
             </a:fld>
             <a:endParaRPr lang="zh-TW" altLang="en-US"/>
           </a:p>
@@ -2122,7 +2123,7 @@
           <a:p>
             <a:fld id="{7283683F-B03E-4209-A61D-596B1E8CE257}" type="datetimeFigureOut">
               <a:rPr lang="zh-TW" altLang="en-US" smtClean="0"/>
-              <a:t>2024/12/15</a:t>
+              <a:t>2024/12/18</a:t>
             </a:fld>
             <a:endParaRPr lang="zh-TW" altLang="en-US"/>
           </a:p>
@@ -2375,7 +2376,7 @@
           <a:p>
             <a:fld id="{7283683F-B03E-4209-A61D-596B1E8CE257}" type="datetimeFigureOut">
               <a:rPr lang="zh-TW" altLang="en-US" smtClean="0"/>
-              <a:t>2024/12/15</a:t>
+              <a:t>2024/12/18</a:t>
             </a:fld>
             <a:endParaRPr lang="zh-TW" altLang="en-US"/>
           </a:p>
@@ -2588,7 +2589,7 @@
           <a:p>
             <a:fld id="{7283683F-B03E-4209-A61D-596B1E8CE257}" type="datetimeFigureOut">
               <a:rPr lang="zh-TW" altLang="en-US" smtClean="0"/>
-              <a:t>2024/12/15</a:t>
+              <a:t>2024/12/18</a:t>
             </a:fld>
             <a:endParaRPr lang="zh-TW" altLang="en-US"/>
           </a:p>
@@ -3129,6 +3130,109 @@
           <a:p>
             <a:r>
               <a:rPr lang="en-US" altLang="zh-TW" dirty="0" smtClean="0"/>
+              <a:t>Cochrane Reviews</a:t>
+            </a:r>
+            <a:endParaRPr lang="zh-TW" altLang="en-US" dirty="0"/>
+          </a:p>
+        </p:txBody>
+      </p:sp>
+      <p:sp>
+        <p:nvSpPr>
+          <p:cNvPr id="3" name="內容版面配置區 2"/>
+          <p:cNvSpPr>
+            <a:spLocks noGrp="1"/>
+          </p:cNvSpPr>
+          <p:nvPr>
+            <p:ph idx="1"/>
+          </p:nvPr>
+        </p:nvSpPr>
+        <p:spPr/>
+        <p:txBody>
+          <a:bodyPr/>
+          <a:lstStyle/>
+          <a:p>
+            <a:endParaRPr lang="zh-TW" altLang="en-US"/>
+          </a:p>
+        </p:txBody>
+      </p:sp>
+      <p:pic>
+        <p:nvPicPr>
+          <p:cNvPr id="4" name="圖片 3"/>
+          <p:cNvPicPr>
+            <a:picLocks noChangeAspect="1"/>
+          </p:cNvPicPr>
+          <p:nvPr/>
+        </p:nvPicPr>
+        <p:blipFill>
+          <a:blip r:embed="rId2"/>
+          <a:stretch>
+            <a:fillRect/>
+          </a:stretch>
+        </p:blipFill>
+        <p:spPr>
+          <a:xfrm>
+            <a:off x="2475098" y="1690688"/>
+            <a:ext cx="7241804" cy="5152129"/>
+          </a:xfrm>
+          <a:prstGeom prst="rect">
+            <a:avLst/>
+          </a:prstGeom>
+        </p:spPr>
+      </p:pic>
+    </p:spTree>
+    <p:extLst>
+      <p:ext uri="{BB962C8B-B14F-4D97-AF65-F5344CB8AC3E}">
+        <p14:creationId xmlns:p14="http://schemas.microsoft.com/office/powerpoint/2010/main" val="1138719741"/>
+      </p:ext>
+    </p:extLst>
+  </p:cSld>
+  <p:clrMapOvr>
+    <a:masterClrMapping/>
+  </p:clrMapOvr>
+  <p:timing>
+    <p:tnLst>
+      <p:par>
+        <p:cTn id="1" dur="indefinite" restart="never" nodeType="tmRoot"/>
+      </p:par>
+    </p:tnLst>
+  </p:timing>
+</p:sld>
+</file>
+
+<file path=ppt/slides/slide11.xml><?xml version="1.0" encoding="utf-8"?>
+<p:sld xmlns:a="http://schemas.openxmlformats.org/drawingml/2006/main" xmlns:r="http://schemas.openxmlformats.org/officeDocument/2006/relationships" xmlns:p="http://schemas.openxmlformats.org/presentationml/2006/main">
+  <p:cSld>
+    <p:spTree>
+      <p:nvGrpSpPr>
+        <p:cNvPr id="1" name=""/>
+        <p:cNvGrpSpPr/>
+        <p:nvPr/>
+      </p:nvGrpSpPr>
+      <p:grpSpPr>
+        <a:xfrm>
+          <a:off x="0" y="0"/>
+          <a:ext cx="0" cy="0"/>
+          <a:chOff x="0" y="0"/>
+          <a:chExt cx="0" cy="0"/>
+        </a:xfrm>
+      </p:grpSpPr>
+      <p:sp>
+        <p:nvSpPr>
+          <p:cNvPr id="2" name="標題 1"/>
+          <p:cNvSpPr>
+            <a:spLocks noGrp="1"/>
+          </p:cNvSpPr>
+          <p:nvPr>
+            <p:ph type="title"/>
+          </p:nvPr>
+        </p:nvSpPr>
+        <p:spPr/>
+        <p:txBody>
+          <a:bodyPr/>
+          <a:lstStyle/>
+          <a:p>
+            <a:r>
+              <a:rPr lang="en-US" altLang="zh-TW" dirty="0" smtClean="0"/>
               <a:t>Trials</a:t>
             </a:r>
             <a:endParaRPr lang="zh-TW" altLang="en-US" dirty="0"/>
@@ -3198,7 +3302,7 @@
 </p:sld>
 </file>
 
-<file path=ppt/slides/slide11.xml><?xml version="1.0" encoding="utf-8"?>
+<file path=ppt/slides/slide12.xml><?xml version="1.0" encoding="utf-8"?>
 <p:sld xmlns:a="http://schemas.openxmlformats.org/drawingml/2006/main" xmlns:r="http://schemas.openxmlformats.org/officeDocument/2006/relationships" xmlns:p="http://schemas.openxmlformats.org/presentationml/2006/main" show="0">
   <p:cSld>
     <p:spTree>
@@ -3309,7 +3413,7 @@
 </p:sld>
 </file>
 
-<file path=ppt/slides/slide12.xml><?xml version="1.0" encoding="utf-8"?>
+<file path=ppt/slides/slide13.xml><?xml version="1.0" encoding="utf-8"?>
 <p:sld xmlns:a="http://schemas.openxmlformats.org/drawingml/2006/main" xmlns:r="http://schemas.openxmlformats.org/officeDocument/2006/relationships" xmlns:p="http://schemas.openxmlformats.org/presentationml/2006/main">
   <p:cSld>
     <p:spTree>
@@ -3501,7 +3605,7 @@
 </p:sld>
 </file>
 
-<file path=ppt/slides/slide13.xml><?xml version="1.0" encoding="utf-8"?>
+<file path=ppt/slides/slide14.xml><?xml version="1.0" encoding="utf-8"?>
 <p:sld xmlns:a="http://schemas.openxmlformats.org/drawingml/2006/main" xmlns:r="http://schemas.openxmlformats.org/officeDocument/2006/relationships" xmlns:p="http://schemas.openxmlformats.org/presentationml/2006/main">
   <p:cSld>
     <p:spTree>
@@ -3604,7 +3708,7 @@
 </p:sld>
 </file>
 
-<file path=ppt/slides/slide14.xml><?xml version="1.0" encoding="utf-8"?>
+<file path=ppt/slides/slide15.xml><?xml version="1.0" encoding="utf-8"?>
 <p:sld xmlns:a="http://schemas.openxmlformats.org/drawingml/2006/main" xmlns:r="http://schemas.openxmlformats.org/officeDocument/2006/relationships" xmlns:p="http://schemas.openxmlformats.org/presentationml/2006/main">
   <p:cSld>
     <p:spTree>
@@ -3727,7 +3831,7 @@
 </p:sld>
 </file>
 
-<file path=ppt/slides/slide15.xml><?xml version="1.0" encoding="utf-8"?>
+<file path=ppt/slides/slide16.xml><?xml version="1.0" encoding="utf-8"?>
 <p:sld xmlns:a="http://schemas.openxmlformats.org/drawingml/2006/main" xmlns:r="http://schemas.openxmlformats.org/officeDocument/2006/relationships" xmlns:p="http://schemas.openxmlformats.org/presentationml/2006/main">
   <p:cSld>
     <p:spTree>
@@ -3830,7 +3934,7 @@
 </p:sld>
 </file>
 
-<file path=ppt/slides/slide16.xml><?xml version="1.0" encoding="utf-8"?>
+<file path=ppt/slides/slide17.xml><?xml version="1.0" encoding="utf-8"?>
 <p:sld xmlns:a="http://schemas.openxmlformats.org/drawingml/2006/main" xmlns:r="http://schemas.openxmlformats.org/officeDocument/2006/relationships" xmlns:p="http://schemas.openxmlformats.org/presentationml/2006/main" show="0">
   <p:cSld>
     <p:spTree>
@@ -4005,7 +4109,7 @@
 </p:sld>
 </file>
 
-<file path=ppt/slides/slide17.xml><?xml version="1.0" encoding="utf-8"?>
+<file path=ppt/slides/slide18.xml><?xml version="1.0" encoding="utf-8"?>
 <p:sld xmlns:a="http://schemas.openxmlformats.org/drawingml/2006/main" xmlns:r="http://schemas.openxmlformats.org/officeDocument/2006/relationships" xmlns:p="http://schemas.openxmlformats.org/presentationml/2006/main" show="0">
   <p:cSld>
     <p:spTree>
@@ -4116,7 +4220,7 @@
 </p:sld>
 </file>
 
-<file path=ppt/slides/slide18.xml><?xml version="1.0" encoding="utf-8"?>
+<file path=ppt/slides/slide19.xml><?xml version="1.0" encoding="utf-8"?>
 <p:sld xmlns:a="http://schemas.openxmlformats.org/drawingml/2006/main" xmlns:r="http://schemas.openxmlformats.org/officeDocument/2006/relationships" xmlns:p="http://schemas.openxmlformats.org/presentationml/2006/main" show="0">
   <p:cSld>
     <p:spTree>
@@ -4241,7 +4345,140 @@
 </p:sld>
 </file>
 
-<file path=ppt/slides/slide19.xml><?xml version="1.0" encoding="utf-8"?>
+<file path=ppt/slides/slide2.xml><?xml version="1.0" encoding="utf-8"?>
+<p:sld xmlns:a="http://schemas.openxmlformats.org/drawingml/2006/main" xmlns:r="http://schemas.openxmlformats.org/officeDocument/2006/relationships" xmlns:p="http://schemas.openxmlformats.org/presentationml/2006/main">
+  <p:cSld>
+    <p:spTree>
+      <p:nvGrpSpPr>
+        <p:cNvPr id="1" name=""/>
+        <p:cNvGrpSpPr/>
+        <p:nvPr/>
+      </p:nvGrpSpPr>
+      <p:grpSpPr>
+        <a:xfrm>
+          <a:off x="0" y="0"/>
+          <a:ext cx="0" cy="0"/>
+          <a:chOff x="0" y="0"/>
+          <a:chExt cx="0" cy="0"/>
+        </a:xfrm>
+      </p:grpSpPr>
+      <p:sp>
+        <p:nvSpPr>
+          <p:cNvPr id="2" name="標題 1"/>
+          <p:cNvSpPr>
+            <a:spLocks noGrp="1"/>
+          </p:cNvSpPr>
+          <p:nvPr>
+            <p:ph type="title"/>
+          </p:nvPr>
+        </p:nvSpPr>
+        <p:spPr/>
+        <p:txBody>
+          <a:bodyPr/>
+          <a:lstStyle/>
+          <a:p>
+            <a:r>
+              <a:rPr lang="en-US" altLang="zh-TW" b="1" dirty="0"/>
+              <a:t>Research Question</a:t>
+            </a:r>
+            <a:endParaRPr lang="zh-TW" altLang="en-US" dirty="0"/>
+          </a:p>
+        </p:txBody>
+      </p:sp>
+      <p:sp>
+        <p:nvSpPr>
+          <p:cNvPr id="3" name="內容版面配置區 2"/>
+          <p:cNvSpPr>
+            <a:spLocks noGrp="1"/>
+          </p:cNvSpPr>
+          <p:nvPr>
+            <p:ph idx="1"/>
+          </p:nvPr>
+        </p:nvSpPr>
+        <p:spPr/>
+        <p:txBody>
+          <a:bodyPr/>
+          <a:lstStyle/>
+          <a:p>
+            <a:pPr marL="0" indent="0">
+              <a:buNone/>
+            </a:pPr>
+            <a:r>
+              <a:rPr lang="en-US" altLang="zh-TW" i="1" dirty="0"/>
+              <a:t>How does estrogen modulate immune function, and what is its role in preventing autoimmune diseases in at-risk populations?</a:t>
+            </a:r>
+            <a:endParaRPr lang="zh-TW" altLang="zh-TW" dirty="0"/>
+          </a:p>
+          <a:p>
+            <a:pPr lvl="0"/>
+            <a:r>
+              <a:rPr lang="en-US" altLang="zh-TW" b="1" dirty="0"/>
+              <a:t>Population</a:t>
+            </a:r>
+            <a:r>
+              <a:rPr lang="en-US" altLang="zh-TW" dirty="0"/>
+              <a:t>: Individuals with autoimmune diseases or at risk.</a:t>
+            </a:r>
+            <a:endParaRPr lang="zh-TW" altLang="zh-TW" dirty="0"/>
+          </a:p>
+          <a:p>
+            <a:pPr lvl="0"/>
+            <a:r>
+              <a:rPr lang="en-US" altLang="zh-TW" b="1" dirty="0"/>
+              <a:t>Intervention</a:t>
+            </a:r>
+            <a:r>
+              <a:rPr lang="en-US" altLang="zh-TW" dirty="0"/>
+              <a:t>: Estrogen or estrogen-based therapies.</a:t>
+            </a:r>
+            <a:endParaRPr lang="zh-TW" altLang="zh-TW" dirty="0"/>
+          </a:p>
+          <a:p>
+            <a:pPr lvl="0"/>
+            <a:r>
+              <a:rPr lang="en-US" altLang="zh-TW" b="1" dirty="0"/>
+              <a:t>Comparison</a:t>
+            </a:r>
+            <a:r>
+              <a:rPr lang="en-US" altLang="zh-TW" dirty="0"/>
+              <a:t>: Non-estrogen therapies or placebo.</a:t>
+            </a:r>
+            <a:endParaRPr lang="zh-TW" altLang="zh-TW" dirty="0"/>
+          </a:p>
+          <a:p>
+            <a:r>
+              <a:rPr lang="en-US" altLang="zh-TW" b="1" dirty="0"/>
+              <a:t>Outcome</a:t>
+            </a:r>
+            <a:r>
+              <a:rPr lang="en-US" altLang="zh-TW" dirty="0"/>
+              <a:t>: Immunomodulation, autoimmune disease incidence/prevention.</a:t>
+            </a:r>
+            <a:endParaRPr lang="zh-TW" altLang="en-US" dirty="0"/>
+          </a:p>
+        </p:txBody>
+      </p:sp>
+    </p:spTree>
+    <p:extLst>
+      <p:ext uri="{BB962C8B-B14F-4D97-AF65-F5344CB8AC3E}">
+        <p14:creationId xmlns:p14="http://schemas.microsoft.com/office/powerpoint/2010/main" val="1181919533"/>
+      </p:ext>
+    </p:extLst>
+  </p:cSld>
+  <p:clrMapOvr>
+    <a:masterClrMapping/>
+  </p:clrMapOvr>
+  <p:timing>
+    <p:tnLst>
+      <p:par>
+        <p:cTn id="1" dur="indefinite" restart="never" nodeType="tmRoot"/>
+      </p:par>
+    </p:tnLst>
+  </p:timing>
+</p:sld>
+</file>
+
+<file path=ppt/slides/slide20.xml><?xml version="1.0" encoding="utf-8"?>
 <p:sld xmlns:a="http://schemas.openxmlformats.org/drawingml/2006/main" xmlns:r="http://schemas.openxmlformats.org/officeDocument/2006/relationships" xmlns:p="http://schemas.openxmlformats.org/presentationml/2006/main" show="0">
   <p:cSld>
     <p:spTree>
@@ -4325,132 +4562,6 @@
       <p:transition spd="slow"/>
     </mc:Fallback>
   </mc:AlternateContent>
-</p:sld>
-</file>
-
-<file path=ppt/slides/slide2.xml><?xml version="1.0" encoding="utf-8"?>
-<p:sld xmlns:a="http://schemas.openxmlformats.org/drawingml/2006/main" xmlns:r="http://schemas.openxmlformats.org/officeDocument/2006/relationships" xmlns:p="http://schemas.openxmlformats.org/presentationml/2006/main">
-  <p:cSld>
-    <p:spTree>
-      <p:nvGrpSpPr>
-        <p:cNvPr id="1" name=""/>
-        <p:cNvGrpSpPr/>
-        <p:nvPr/>
-      </p:nvGrpSpPr>
-      <p:grpSpPr>
-        <a:xfrm>
-          <a:off x="0" y="0"/>
-          <a:ext cx="0" cy="0"/>
-          <a:chOff x="0" y="0"/>
-          <a:chExt cx="0" cy="0"/>
-        </a:xfrm>
-      </p:grpSpPr>
-      <p:sp>
-        <p:nvSpPr>
-          <p:cNvPr id="2" name="標題 1"/>
-          <p:cNvSpPr>
-            <a:spLocks noGrp="1"/>
-          </p:cNvSpPr>
-          <p:nvPr>
-            <p:ph type="title"/>
-          </p:nvPr>
-        </p:nvSpPr>
-        <p:spPr/>
-        <p:txBody>
-          <a:bodyPr/>
-          <a:lstStyle/>
-          <a:p>
-            <a:r>
-              <a:rPr lang="en-US" altLang="zh-TW" b="1" dirty="0"/>
-              <a:t>Research Question</a:t>
-            </a:r>
-            <a:endParaRPr lang="zh-TW" altLang="en-US" dirty="0"/>
-          </a:p>
-        </p:txBody>
-      </p:sp>
-      <p:sp>
-        <p:nvSpPr>
-          <p:cNvPr id="3" name="內容版面配置區 2"/>
-          <p:cNvSpPr>
-            <a:spLocks noGrp="1"/>
-          </p:cNvSpPr>
-          <p:nvPr>
-            <p:ph idx="1"/>
-          </p:nvPr>
-        </p:nvSpPr>
-        <p:spPr/>
-        <p:txBody>
-          <a:bodyPr/>
-          <a:lstStyle/>
-          <a:p>
-            <a:pPr marL="0" indent="0">
-              <a:buNone/>
-            </a:pPr>
-            <a:r>
-              <a:rPr lang="en-US" altLang="zh-TW" i="1" dirty="0"/>
-              <a:t>How does estrogen modulate immune function, and what is its role in preventing autoimmune diseases in at-risk populations?</a:t>
-            </a:r>
-            <a:endParaRPr lang="zh-TW" altLang="zh-TW" dirty="0"/>
-          </a:p>
-          <a:p>
-            <a:pPr lvl="0"/>
-            <a:r>
-              <a:rPr lang="en-US" altLang="zh-TW" b="1" dirty="0"/>
-              <a:t>Population</a:t>
-            </a:r>
-            <a:r>
-              <a:rPr lang="en-US" altLang="zh-TW" dirty="0"/>
-              <a:t>: Individuals with autoimmune diseases or at risk.</a:t>
-            </a:r>
-            <a:endParaRPr lang="zh-TW" altLang="zh-TW" dirty="0"/>
-          </a:p>
-          <a:p>
-            <a:pPr lvl="0"/>
-            <a:r>
-              <a:rPr lang="en-US" altLang="zh-TW" b="1" dirty="0"/>
-              <a:t>Intervention</a:t>
-            </a:r>
-            <a:r>
-              <a:rPr lang="en-US" altLang="zh-TW" dirty="0"/>
-              <a:t>: Estrogen or estrogen-based therapies.</a:t>
-            </a:r>
-            <a:endParaRPr lang="zh-TW" altLang="zh-TW" dirty="0"/>
-          </a:p>
-          <a:p>
-            <a:pPr lvl="0"/>
-            <a:r>
-              <a:rPr lang="en-US" altLang="zh-TW" b="1" dirty="0"/>
-              <a:t>Comparison</a:t>
-            </a:r>
-            <a:r>
-              <a:rPr lang="en-US" altLang="zh-TW" dirty="0"/>
-              <a:t>: Non-estrogen therapies or placebo.</a:t>
-            </a:r>
-            <a:endParaRPr lang="zh-TW" altLang="zh-TW" dirty="0"/>
-          </a:p>
-          <a:p>
-            <a:r>
-              <a:rPr lang="en-US" altLang="zh-TW" b="1" dirty="0"/>
-              <a:t>Outcome</a:t>
-            </a:r>
-            <a:r>
-              <a:rPr lang="en-US" altLang="zh-TW" dirty="0"/>
-              <a:t>: Immunomodulation, autoimmune disease incidence/prevention.</a:t>
-            </a:r>
-            <a:endParaRPr lang="zh-TW" altLang="en-US" dirty="0"/>
-          </a:p>
-        </p:txBody>
-      </p:sp>
-    </p:spTree>
-    <p:extLst>
-      <p:ext uri="{BB962C8B-B14F-4D97-AF65-F5344CB8AC3E}">
-        <p14:creationId xmlns:p14="http://schemas.microsoft.com/office/powerpoint/2010/main" val="1181919533"/>
-      </p:ext>
-    </p:extLst>
-  </p:cSld>
-  <p:clrMapOvr>
-    <a:masterClrMapping/>
-  </p:clrMapOvr>
   <p:timing>
     <p:tnLst>
       <p:par>
@@ -4461,7 +4572,7 @@
 </p:sld>
 </file>
 
-<file path=ppt/slides/slide20.xml><?xml version="1.0" encoding="utf-8"?>
+<file path=ppt/slides/slide21.xml><?xml version="1.0" encoding="utf-8"?>
 <p:sld xmlns:a="http://schemas.openxmlformats.org/drawingml/2006/main" xmlns:r="http://schemas.openxmlformats.org/officeDocument/2006/relationships" xmlns:p="http://schemas.openxmlformats.org/presentationml/2006/main" show="0">
   <p:cSld>
     <p:spTree>
@@ -4558,7 +4669,7 @@
 </p:sld>
 </file>
 
-<file path=ppt/slides/slide21.xml><?xml version="1.0" encoding="utf-8"?>
+<file path=ppt/slides/slide22.xml><?xml version="1.0" encoding="utf-8"?>
 <p:sld xmlns:a="http://schemas.openxmlformats.org/drawingml/2006/main" xmlns:r="http://schemas.openxmlformats.org/officeDocument/2006/relationships" xmlns:p="http://schemas.openxmlformats.org/presentationml/2006/main">
   <p:cSld>
     <p:spTree>
@@ -4665,10 +4776,17 @@
   <p:clrMapOvr>
     <a:masterClrMapping/>
   </p:clrMapOvr>
+  <p:timing>
+    <p:tnLst>
+      <p:par>
+        <p:cTn id="1" dur="indefinite" restart="never" nodeType="tmRoot"/>
+      </p:par>
+    </p:tnLst>
+  </p:timing>
 </p:sld>
 </file>
 
-<file path=ppt/slides/slide22.xml><?xml version="1.0" encoding="utf-8"?>
+<file path=ppt/slides/slide23.xml><?xml version="1.0" encoding="utf-8"?>
 <p:sld xmlns:a="http://schemas.openxmlformats.org/drawingml/2006/main" xmlns:r="http://schemas.openxmlformats.org/officeDocument/2006/relationships" xmlns:p="http://schemas.openxmlformats.org/presentationml/2006/main">
   <p:cSld>
     <p:spTree>
@@ -4747,10 +4865,17 @@
   <p:clrMapOvr>
     <a:masterClrMapping/>
   </p:clrMapOvr>
+  <p:timing>
+    <p:tnLst>
+      <p:par>
+        <p:cTn id="1" dur="indefinite" restart="never" nodeType="tmRoot"/>
+      </p:par>
+    </p:tnLst>
+  </p:timing>
 </p:sld>
 </file>
 
-<file path=ppt/slides/slide23.xml><?xml version="1.0" encoding="utf-8"?>
+<file path=ppt/slides/slide24.xml><?xml version="1.0" encoding="utf-8"?>
 <p:sld xmlns:a="http://schemas.openxmlformats.org/drawingml/2006/main" xmlns:r="http://schemas.openxmlformats.org/officeDocument/2006/relationships" xmlns:p="http://schemas.openxmlformats.org/presentationml/2006/main">
   <p:cSld>
     <p:spTree>
@@ -4848,10 +4973,17 @@
   <p:clrMapOvr>
     <a:masterClrMapping/>
   </p:clrMapOvr>
+  <p:timing>
+    <p:tnLst>
+      <p:par>
+        <p:cTn id="1" dur="indefinite" restart="never" nodeType="tmRoot"/>
+      </p:par>
+    </p:tnLst>
+  </p:timing>
 </p:sld>
 </file>
 
-<file path=ppt/slides/slide24.xml><?xml version="1.0" encoding="utf-8"?>
+<file path=ppt/slides/slide25.xml><?xml version="1.0" encoding="utf-8"?>
 <p:sld xmlns:a="http://schemas.openxmlformats.org/drawingml/2006/main" xmlns:r="http://schemas.openxmlformats.org/officeDocument/2006/relationships" xmlns:p="http://schemas.openxmlformats.org/presentationml/2006/main">
   <p:cSld>
     <p:spTree>
@@ -4930,10 +5062,17 @@
   <p:clrMapOvr>
     <a:masterClrMapping/>
   </p:clrMapOvr>
+  <p:timing>
+    <p:tnLst>
+      <p:par>
+        <p:cTn id="1" dur="indefinite" restart="never" nodeType="tmRoot"/>
+      </p:par>
+    </p:tnLst>
+  </p:timing>
 </p:sld>
 </file>
 
-<file path=ppt/slides/slide25.xml><?xml version="1.0" encoding="utf-8"?>
+<file path=ppt/slides/slide26.xml><?xml version="1.0" encoding="utf-8"?>
 <p:sld xmlns:a="http://schemas.openxmlformats.org/drawingml/2006/main" xmlns:r="http://schemas.openxmlformats.org/officeDocument/2006/relationships" xmlns:p="http://schemas.openxmlformats.org/presentationml/2006/main">
   <p:cSld>
     <p:spTree>
@@ -5024,6 +5163,13 @@
   <p:clrMapOvr>
     <a:masterClrMapping/>
   </p:clrMapOvr>
+  <p:timing>
+    <p:tnLst>
+      <p:par>
+        <p:cTn id="1" dur="indefinite" restart="never" nodeType="tmRoot"/>
+      </p:par>
+    </p:tnLst>
+  </p:timing>
 </p:sld>
 </file>
 
@@ -5139,7 +5285,15 @@
             </a:r>
             <a:r>
               <a:rPr lang="en-US" altLang="zh-TW" dirty="0" smtClean="0"/>
-              <a:t>, allergy</a:t>
+              <a:t>, </a:t>
+            </a:r>
+            <a:r>
+              <a:rPr lang="en-US" altLang="zh-TW" dirty="0" smtClean="0"/>
+              <a:t>allergy </a:t>
+            </a:r>
+            <a:r>
+              <a:rPr lang="en-US" altLang="zh-TW" dirty="0" err="1" smtClean="0"/>
+              <a:t>etc</a:t>
             </a:r>
             <a:endParaRPr lang="zh-TW" altLang="zh-TW" dirty="0"/>
           </a:p>
@@ -5505,6 +5659,190 @@
 </file>
 
 <file path=ppt/slides/slide5.xml><?xml version="1.0" encoding="utf-8"?>
+<p:sld xmlns:a="http://schemas.openxmlformats.org/drawingml/2006/main" xmlns:r="http://schemas.openxmlformats.org/officeDocument/2006/relationships" xmlns:p="http://schemas.openxmlformats.org/presentationml/2006/main">
+  <p:cSld>
+    <p:spTree>
+      <p:nvGrpSpPr>
+        <p:cNvPr id="1" name=""/>
+        <p:cNvGrpSpPr/>
+        <p:nvPr/>
+      </p:nvGrpSpPr>
+      <p:grpSpPr>
+        <a:xfrm>
+          <a:off x="0" y="0"/>
+          <a:ext cx="0" cy="0"/>
+          <a:chOff x="0" y="0"/>
+          <a:chExt cx="0" cy="0"/>
+        </a:xfrm>
+      </p:grpSpPr>
+      <p:sp>
+        <p:nvSpPr>
+          <p:cNvPr id="2" name="標題 1"/>
+          <p:cNvSpPr>
+            <a:spLocks noGrp="1"/>
+          </p:cNvSpPr>
+          <p:nvPr>
+            <p:ph type="title"/>
+          </p:nvPr>
+        </p:nvSpPr>
+        <p:spPr/>
+        <p:txBody>
+          <a:bodyPr/>
+          <a:lstStyle/>
+          <a:p>
+            <a:endParaRPr lang="zh-TW" altLang="en-US"/>
+          </a:p>
+        </p:txBody>
+      </p:sp>
+      <p:sp>
+        <p:nvSpPr>
+          <p:cNvPr id="3" name="內容版面配置區 2"/>
+          <p:cNvSpPr>
+            <a:spLocks noGrp="1"/>
+          </p:cNvSpPr>
+          <p:nvPr>
+            <p:ph idx="1"/>
+          </p:nvPr>
+        </p:nvSpPr>
+        <p:spPr/>
+        <p:txBody>
+          <a:bodyPr/>
+          <a:lstStyle/>
+          <a:p>
+            <a:r>
+              <a:rPr lang="en-US" altLang="zh-TW" dirty="0"/>
+              <a:t>("Estrogens"[</a:t>
+            </a:r>
+            <a:r>
+              <a:rPr lang="en-US" altLang="zh-TW" dirty="0" err="1"/>
+              <a:t>MeSH</a:t>
+            </a:r>
+            <a:r>
+              <a:rPr lang="en-US" altLang="zh-TW" dirty="0"/>
+              <a:t>] OR Estrogen) AND ("Immune System Diseases"[</a:t>
+            </a:r>
+            <a:r>
+              <a:rPr lang="en-US" altLang="zh-TW" dirty="0" err="1"/>
+              <a:t>MeSH</a:t>
+            </a:r>
+            <a:r>
+              <a:rPr lang="en-US" altLang="zh-TW" dirty="0"/>
+              <a:t>] OR "Autoimmune diseases" OR lupus OR SLE OR RA OR “rheumatoid arthritis” OR MS OR “multiple sclerosis” OR “GPA” OR “</a:t>
+            </a:r>
+            <a:r>
+              <a:rPr lang="en-US" altLang="zh-TW" dirty="0" err="1"/>
+              <a:t>granulomatosis</a:t>
+            </a:r>
+            <a:r>
+              <a:rPr lang="en-US" altLang="zh-TW" dirty="0"/>
+              <a:t> with </a:t>
+            </a:r>
+            <a:r>
+              <a:rPr lang="en-US" altLang="zh-TW" dirty="0" err="1"/>
+              <a:t>polyangiitis</a:t>
+            </a:r>
+            <a:r>
+              <a:rPr lang="en-US" altLang="zh-TW" dirty="0"/>
+              <a:t>” OR Wegener OR Wegener’s OR psoriasis OR </a:t>
+            </a:r>
+            <a:r>
+              <a:rPr lang="en-US" altLang="zh-TW" dirty="0" err="1"/>
+              <a:t>Sjogren</a:t>
+            </a:r>
+            <a:r>
+              <a:rPr lang="en-US" altLang="zh-TW" dirty="0"/>
+              <a:t> OR </a:t>
+            </a:r>
+            <a:r>
+              <a:rPr lang="en-US" altLang="zh-TW" dirty="0" err="1"/>
+              <a:t>Sjögren</a:t>
+            </a:r>
+            <a:r>
+              <a:rPr lang="en-US" altLang="zh-TW" dirty="0"/>
+              <a:t> OR </a:t>
+            </a:r>
+            <a:r>
+              <a:rPr lang="en-US" altLang="zh-TW" dirty="0" err="1"/>
+              <a:t>Sjogren’s</a:t>
+            </a:r>
+            <a:r>
+              <a:rPr lang="en-US" altLang="zh-TW" dirty="0"/>
+              <a:t> OR </a:t>
+            </a:r>
+            <a:r>
+              <a:rPr lang="en-US" altLang="zh-TW" dirty="0" err="1"/>
+              <a:t>Sjögren’s</a:t>
+            </a:r>
+            <a:r>
+              <a:rPr lang="en-US" altLang="zh-TW" dirty="0"/>
+              <a:t> OR allergy OR allergies OR "Diabetes Mellitus, Type 1"[</a:t>
+            </a:r>
+            <a:r>
+              <a:rPr lang="en-US" altLang="zh-TW" dirty="0" err="1"/>
+              <a:t>MeSH</a:t>
+            </a:r>
+            <a:r>
+              <a:rPr lang="en-US" altLang="zh-TW" dirty="0"/>
+              <a:t>]) AND ("</a:t>
+            </a:r>
+            <a:r>
+              <a:rPr lang="en-US" altLang="zh-TW" dirty="0" smtClean="0"/>
+              <a:t>Hormone Replacement </a:t>
+            </a:r>
+            <a:r>
+              <a:rPr lang="en-US" altLang="zh-TW" dirty="0"/>
+              <a:t>Therapy"[</a:t>
+            </a:r>
+            <a:r>
+              <a:rPr lang="en-US" altLang="zh-TW" dirty="0" err="1"/>
+              <a:t>MeSH</a:t>
+            </a:r>
+            <a:r>
+              <a:rPr lang="en-US" altLang="zh-TW" dirty="0"/>
+              <a:t>] </a:t>
+            </a:r>
+            <a:r>
+              <a:rPr lang="en-US" altLang="zh-TW" dirty="0" smtClean="0"/>
+              <a:t>OR “Estrogen </a:t>
+            </a:r>
+            <a:r>
+              <a:rPr lang="en-US" altLang="zh-TW" dirty="0"/>
+              <a:t>Replacement Therapy"[</a:t>
+            </a:r>
+            <a:r>
+              <a:rPr lang="en-US" altLang="zh-TW" dirty="0" err="1"/>
+              <a:t>MeSH</a:t>
+            </a:r>
+            <a:r>
+              <a:rPr lang="en-US" altLang="zh-TW" dirty="0"/>
+              <a:t>] </a:t>
+            </a:r>
+            <a:r>
+              <a:rPr lang="en-US" altLang="zh-TW" dirty="0" smtClean="0"/>
+              <a:t>OR </a:t>
+            </a:r>
+            <a:r>
+              <a:rPr lang="en-US" altLang="zh-TW" dirty="0"/>
+              <a:t>Prevention)</a:t>
+            </a:r>
+            <a:endParaRPr lang="zh-TW" altLang="en-US" dirty="0"/>
+          </a:p>
+        </p:txBody>
+      </p:sp>
+    </p:spTree>
+    <p:extLst>
+      <p:ext uri="{BB962C8B-B14F-4D97-AF65-F5344CB8AC3E}">
+        <p14:creationId xmlns:p14="http://schemas.microsoft.com/office/powerpoint/2010/main" val="1760072590"/>
+      </p:ext>
+    </p:extLst>
+  </p:cSld>
+  <p:clrMapOvr>
+    <a:masterClrMapping/>
+  </p:clrMapOvr>
+</p:sld>
+</file>
+
+<file path=ppt/slides/slide6.xml><?xml version="1.0" encoding="utf-8"?>
 <p:sld xmlns:a="http://schemas.openxmlformats.org/drawingml/2006/main" xmlns:r="http://schemas.openxmlformats.org/officeDocument/2006/relationships" xmlns:p="http://schemas.openxmlformats.org/presentationml/2006/main">
   <p:cSld>
     <p:spTree>
@@ -5607,7 +5945,7 @@
 </p:sld>
 </file>
 
-<file path=ppt/slides/slide6.xml><?xml version="1.0" encoding="utf-8"?>
+<file path=ppt/slides/slide7.xml><?xml version="1.0" encoding="utf-8"?>
 <p:sld xmlns:a="http://schemas.openxmlformats.org/drawingml/2006/main" xmlns:r="http://schemas.openxmlformats.org/officeDocument/2006/relationships" xmlns:p="http://schemas.openxmlformats.org/presentationml/2006/main">
   <p:cSld>
     <p:spTree>
@@ -5946,7 +6284,7 @@
 </p:sld>
 </file>
 
-<file path=ppt/slides/slide7.xml><?xml version="1.0" encoding="utf-8"?>
+<file path=ppt/slides/slide8.xml><?xml version="1.0" encoding="utf-8"?>
 <p:sld xmlns:a="http://schemas.openxmlformats.org/drawingml/2006/main" xmlns:r="http://schemas.openxmlformats.org/officeDocument/2006/relationships" xmlns:p="http://schemas.openxmlformats.org/presentationml/2006/main">
   <p:cSld>
     <p:spTree>
@@ -6049,275 +6387,6 @@
 </p:sld>
 </file>
 
-<file path=ppt/slides/slide8.xml><?xml version="1.0" encoding="utf-8"?>
-<p:sld xmlns:a="http://schemas.openxmlformats.org/drawingml/2006/main" xmlns:r="http://schemas.openxmlformats.org/officeDocument/2006/relationships" xmlns:p="http://schemas.openxmlformats.org/presentationml/2006/main">
-  <p:cSld>
-    <p:spTree>
-      <p:nvGrpSpPr>
-        <p:cNvPr id="1" name=""/>
-        <p:cNvGrpSpPr/>
-        <p:nvPr/>
-      </p:nvGrpSpPr>
-      <p:grpSpPr>
-        <a:xfrm>
-          <a:off x="0" y="0"/>
-          <a:ext cx="0" cy="0"/>
-          <a:chOff x="0" y="0"/>
-          <a:chExt cx="0" cy="0"/>
-        </a:xfrm>
-      </p:grpSpPr>
-      <p:sp>
-        <p:nvSpPr>
-          <p:cNvPr id="2" name="標題 1"/>
-          <p:cNvSpPr>
-            <a:spLocks noGrp="1"/>
-          </p:cNvSpPr>
-          <p:nvPr>
-            <p:ph type="title"/>
-          </p:nvPr>
-        </p:nvSpPr>
-        <p:spPr/>
-        <p:txBody>
-          <a:bodyPr/>
-          <a:lstStyle/>
-          <a:p>
-            <a:r>
-              <a:rPr lang="en-US" altLang="zh-TW" b="1" dirty="0" smtClean="0"/>
-              <a:t>Comprehensive Literature Search</a:t>
-            </a:r>
-            <a:endParaRPr lang="zh-TW" altLang="en-US" dirty="0"/>
-          </a:p>
-        </p:txBody>
-      </p:sp>
-      <p:sp>
-        <p:nvSpPr>
-          <p:cNvPr id="3" name="內容版面配置區 2"/>
-          <p:cNvSpPr>
-            <a:spLocks noGrp="1"/>
-          </p:cNvSpPr>
-          <p:nvPr>
-            <p:ph idx="1"/>
-          </p:nvPr>
-        </p:nvSpPr>
-        <p:spPr/>
-        <p:txBody>
-          <a:bodyPr>
-            <a:normAutofit fontScale="92500" lnSpcReduction="10000"/>
-          </a:bodyPr>
-          <a:lstStyle/>
-          <a:p>
-            <a:pPr lvl="0"/>
-            <a:r>
-              <a:rPr lang="en-US" altLang="zh-TW" b="1" dirty="0"/>
-              <a:t>Cochrane Library</a:t>
-            </a:r>
-            <a:r>
-              <a:rPr lang="en-US" altLang="zh-TW" dirty="0"/>
-              <a:t>: (Estrogens OR Estrogen) AND ("Immune System Diseases" OR "Autoimmune diseases" OR lupus OR SLE </a:t>
-            </a:r>
-            <a:r>
-              <a:rPr lang="en-US" altLang="zh-TW" dirty="0" smtClean="0"/>
-              <a:t>OR RA OR “rheumatoid arthritis” OR </a:t>
-            </a:r>
-            <a:r>
-              <a:rPr lang="en-US" altLang="zh-TW" dirty="0"/>
-              <a:t>MS OR “multiple sclerosis” OR “GPA” OR “</a:t>
-            </a:r>
-            <a:r>
-              <a:rPr lang="en-US" altLang="zh-TW" dirty="0" err="1"/>
-              <a:t>granulomatosis</a:t>
-            </a:r>
-            <a:r>
-              <a:rPr lang="en-US" altLang="zh-TW" dirty="0"/>
-              <a:t> with </a:t>
-            </a:r>
-            <a:r>
-              <a:rPr lang="en-US" altLang="zh-TW" dirty="0" err="1"/>
-              <a:t>polyangiitis</a:t>
-            </a:r>
-            <a:r>
-              <a:rPr lang="en-US" altLang="zh-TW" dirty="0"/>
-              <a:t>” OR Wegener OR Wegener’s OR psoriasis OR </a:t>
-            </a:r>
-            <a:r>
-              <a:rPr lang="en-US" altLang="zh-TW" dirty="0" err="1"/>
-              <a:t>Sjogren</a:t>
-            </a:r>
-            <a:r>
-              <a:rPr lang="en-US" altLang="zh-TW" dirty="0"/>
-              <a:t> OR </a:t>
-            </a:r>
-            <a:r>
-              <a:rPr lang="en-US" altLang="zh-TW" dirty="0" err="1"/>
-              <a:t>Sjögren</a:t>
-            </a:r>
-            <a:r>
-              <a:rPr lang="en-US" altLang="zh-TW" dirty="0"/>
-              <a:t> OR </a:t>
-            </a:r>
-            <a:r>
-              <a:rPr lang="en-US" altLang="zh-TW" dirty="0" err="1"/>
-              <a:t>Sjogren’s</a:t>
-            </a:r>
-            <a:r>
-              <a:rPr lang="en-US" altLang="zh-TW" dirty="0"/>
-              <a:t> OR </a:t>
-            </a:r>
-            <a:r>
-              <a:rPr lang="en-US" altLang="zh-TW" dirty="0" err="1"/>
-              <a:t>Sjögren’s</a:t>
-            </a:r>
-            <a:r>
-              <a:rPr lang="en-US" altLang="zh-TW" dirty="0"/>
-              <a:t> OR allergy OR allergies) AND ("Hormone Therapy" OR Prevention)      </a:t>
-            </a:r>
-            <a:endParaRPr lang="zh-TW" altLang="zh-TW" dirty="0"/>
-          </a:p>
-          <a:p>
-            <a:pPr lvl="1"/>
-            <a:r>
-              <a:rPr lang="en-US" altLang="zh-TW" dirty="0"/>
-              <a:t>with Cochrane Library publication date from Jan 2015 to present, (Word variations have been searched)</a:t>
-            </a:r>
-            <a:endParaRPr lang="zh-TW" altLang="zh-TW" dirty="0"/>
-          </a:p>
-          <a:p>
-            <a:pPr lvl="1"/>
-            <a:r>
-              <a:rPr lang="en-US" altLang="zh-TW" dirty="0"/>
-              <a:t>4 Cochrane Reviews: </a:t>
-            </a:r>
-            <a:r>
-              <a:rPr lang="en-US" altLang="zh-TW" dirty="0">
-                <a:solidFill>
-                  <a:srgbClr val="0070C0"/>
-                </a:solidFill>
-              </a:rPr>
-              <a:t>citation-export (Cochrane Review).</a:t>
-            </a:r>
-            <a:r>
-              <a:rPr lang="en-US" altLang="zh-TW" dirty="0" err="1">
-                <a:solidFill>
-                  <a:srgbClr val="0070C0"/>
-                </a:solidFill>
-              </a:rPr>
-              <a:t>ris</a:t>
-            </a:r>
-            <a:endParaRPr lang="zh-TW" altLang="zh-TW" dirty="0">
-              <a:solidFill>
-                <a:srgbClr val="0070C0"/>
-              </a:solidFill>
-            </a:endParaRPr>
-          </a:p>
-          <a:p>
-            <a:pPr lvl="1"/>
-            <a:r>
-              <a:rPr lang="en-US" altLang="zh-TW" dirty="0"/>
-              <a:t>7</a:t>
-            </a:r>
-            <a:r>
-              <a:rPr lang="en-US" altLang="zh-TW" dirty="0" smtClean="0"/>
-              <a:t>8 Trials: </a:t>
-            </a:r>
-            <a:r>
-              <a:rPr lang="en-US" altLang="zh-TW" dirty="0">
-                <a:solidFill>
-                  <a:srgbClr val="0070C0"/>
-                </a:solidFill>
-              </a:rPr>
-              <a:t>citation-exports(</a:t>
-            </a:r>
-            <a:r>
-              <a:rPr lang="en-US" altLang="zh-TW" dirty="0" err="1">
-                <a:solidFill>
-                  <a:srgbClr val="0070C0"/>
-                </a:solidFill>
-              </a:rPr>
-              <a:t>CochraneTrials</a:t>
-            </a:r>
-            <a:r>
-              <a:rPr lang="en-US" altLang="zh-TW" dirty="0">
-                <a:solidFill>
-                  <a:srgbClr val="0070C0"/>
-                </a:solidFill>
-              </a:rPr>
-              <a:t>).</a:t>
-            </a:r>
-            <a:r>
-              <a:rPr lang="en-US" altLang="zh-TW" dirty="0" err="1">
-                <a:solidFill>
-                  <a:srgbClr val="0070C0"/>
-                </a:solidFill>
-              </a:rPr>
-              <a:t>ris</a:t>
-            </a:r>
-            <a:endParaRPr lang="en-US" altLang="zh-TW" dirty="0" smtClean="0">
-              <a:solidFill>
-                <a:srgbClr val="0070C0"/>
-              </a:solidFill>
-            </a:endParaRPr>
-          </a:p>
-          <a:p>
-            <a:r>
-              <a:rPr lang="en-US" altLang="zh-TW" b="1" dirty="0"/>
-              <a:t>0</a:t>
-            </a:r>
-            <a:r>
-              <a:rPr lang="en-US" altLang="zh-TW" dirty="0"/>
-              <a:t> results matching </a:t>
-            </a:r>
-            <a:r>
-              <a:rPr lang="en-US" altLang="zh-TW" b="1" dirty="0"/>
-              <a:t>'</a:t>
-            </a:r>
-            <a:r>
-              <a:rPr lang="en-US" altLang="zh-TW" b="1" u="sng" dirty="0"/>
-              <a:t>Intervention</a:t>
-            </a:r>
-            <a:r>
-              <a:rPr lang="en-US" altLang="zh-TW" b="1" dirty="0"/>
-              <a:t> "Estrogens" AND </a:t>
-            </a:r>
-            <a:r>
-              <a:rPr lang="en-US" altLang="zh-TW" b="1" u="sng" dirty="0"/>
-              <a:t>Outcome</a:t>
-            </a:r>
-            <a:r>
-              <a:rPr lang="en-US" altLang="zh-TW" b="1" dirty="0"/>
-              <a:t> ( "Autoimmune Disease" OR "Lupus </a:t>
-            </a:r>
-            <a:r>
-              <a:rPr lang="en-US" altLang="zh-TW" b="1" dirty="0" err="1"/>
-              <a:t>Erythematosus</a:t>
-            </a:r>
-            <a:r>
-              <a:rPr lang="en-US" altLang="zh-TW" b="1" dirty="0"/>
-              <a:t>" OR "Multiple Sclerosis" OR "Rheumatoid Arthritis" OR "Multiple Sclerosis" )'</a:t>
-            </a:r>
-            <a:endParaRPr lang="en-US" altLang="zh-TW" dirty="0" smtClean="0"/>
-          </a:p>
-        </p:txBody>
-      </p:sp>
-    </p:spTree>
-    <p:extLst>
-      <p:ext uri="{BB962C8B-B14F-4D97-AF65-F5344CB8AC3E}">
-        <p14:creationId xmlns:p14="http://schemas.microsoft.com/office/powerpoint/2010/main" val="1641761449"/>
-      </p:ext>
-    </p:extLst>
-  </p:cSld>
-  <p:clrMapOvr>
-    <a:masterClrMapping/>
-  </p:clrMapOvr>
-  <p:timing>
-    <p:tnLst>
-      <p:par>
-        <p:cTn id="1" dur="indefinite" restart="never" nodeType="tmRoot"/>
-      </p:par>
-    </p:tnLst>
-  </p:timing>
-</p:sld>
-</file>
-
 <file path=ppt/slides/slide9.xml><?xml version="1.0" encoding="utf-8"?>
 <p:sld xmlns:a="http://schemas.openxmlformats.org/drawingml/2006/main" xmlns:r="http://schemas.openxmlformats.org/officeDocument/2006/relationships" xmlns:p="http://schemas.openxmlformats.org/presentationml/2006/main">
   <p:cSld>
@@ -6351,60 +6420,230 @@
           <a:lstStyle/>
           <a:p>
             <a:r>
+              <a:rPr lang="en-US" altLang="zh-TW" b="1" dirty="0" smtClean="0"/>
+              <a:t>Comprehensive Literature Search</a:t>
+            </a:r>
+            <a:endParaRPr lang="zh-TW" altLang="en-US" dirty="0"/>
+          </a:p>
+        </p:txBody>
+      </p:sp>
+      <p:sp>
+        <p:nvSpPr>
+          <p:cNvPr id="3" name="內容版面配置區 2"/>
+          <p:cNvSpPr>
+            <a:spLocks noGrp="1"/>
+          </p:cNvSpPr>
+          <p:nvPr>
+            <p:ph idx="1"/>
+          </p:nvPr>
+        </p:nvSpPr>
+        <p:spPr/>
+        <p:txBody>
+          <a:bodyPr>
+            <a:normAutofit fontScale="92500" lnSpcReduction="10000"/>
+          </a:bodyPr>
+          <a:lstStyle/>
+          <a:p>
+            <a:pPr lvl="0"/>
+            <a:r>
+              <a:rPr lang="en-US" altLang="zh-TW" b="1" dirty="0"/>
+              <a:t>Cochrane Library</a:t>
+            </a:r>
+            <a:r>
+              <a:rPr lang="en-US" altLang="zh-TW" dirty="0"/>
+              <a:t>: (Estrogens OR Estrogen) AND ("Immune System Diseases" OR "Autoimmune diseases" OR lupus OR SLE </a:t>
+            </a:r>
+            <a:r>
               <a:rPr lang="en-US" altLang="zh-TW" dirty="0" smtClean="0"/>
-              <a:t>Cochrane Reviews</a:t>
-            </a:r>
-            <a:endParaRPr lang="zh-TW" altLang="en-US" dirty="0"/>
-          </a:p>
-        </p:txBody>
-      </p:sp>
-      <p:sp>
-        <p:nvSpPr>
-          <p:cNvPr id="3" name="內容版面配置區 2"/>
-          <p:cNvSpPr>
-            <a:spLocks noGrp="1"/>
-          </p:cNvSpPr>
-          <p:nvPr>
-            <p:ph idx="1"/>
-          </p:nvPr>
-        </p:nvSpPr>
-        <p:spPr/>
-        <p:txBody>
-          <a:bodyPr/>
-          <a:lstStyle/>
-          <a:p>
-            <a:endParaRPr lang="zh-TW" altLang="en-US"/>
-          </a:p>
-        </p:txBody>
-      </p:sp>
-      <p:pic>
-        <p:nvPicPr>
-          <p:cNvPr id="4" name="圖片 3"/>
-          <p:cNvPicPr>
-            <a:picLocks noChangeAspect="1"/>
-          </p:cNvPicPr>
-          <p:nvPr/>
-        </p:nvPicPr>
-        <p:blipFill>
-          <a:blip r:embed="rId2"/>
-          <a:stretch>
-            <a:fillRect/>
-          </a:stretch>
-        </p:blipFill>
-        <p:spPr>
-          <a:xfrm>
-            <a:off x="2475098" y="1690688"/>
-            <a:ext cx="7241804" cy="5152129"/>
-          </a:xfrm>
-          <a:prstGeom prst="rect">
-            <a:avLst/>
-          </a:prstGeom>
-        </p:spPr>
-      </p:pic>
+              <a:t>OR RA OR “rheumatoid arthritis” OR </a:t>
+            </a:r>
+            <a:r>
+              <a:rPr lang="en-US" altLang="zh-TW" dirty="0"/>
+              <a:t>MS OR “multiple sclerosis” OR “GPA” OR “</a:t>
+            </a:r>
+            <a:r>
+              <a:rPr lang="en-US" altLang="zh-TW" dirty="0" err="1"/>
+              <a:t>granulomatosis</a:t>
+            </a:r>
+            <a:r>
+              <a:rPr lang="en-US" altLang="zh-TW" dirty="0"/>
+              <a:t> with </a:t>
+            </a:r>
+            <a:r>
+              <a:rPr lang="en-US" altLang="zh-TW" dirty="0" err="1"/>
+              <a:t>polyangiitis</a:t>
+            </a:r>
+            <a:r>
+              <a:rPr lang="en-US" altLang="zh-TW" dirty="0"/>
+              <a:t>” OR Wegener OR Wegener’s OR psoriasis OR </a:t>
+            </a:r>
+            <a:r>
+              <a:rPr lang="en-US" altLang="zh-TW" dirty="0" err="1"/>
+              <a:t>Sjogren</a:t>
+            </a:r>
+            <a:r>
+              <a:rPr lang="en-US" altLang="zh-TW" dirty="0"/>
+              <a:t> OR </a:t>
+            </a:r>
+            <a:r>
+              <a:rPr lang="en-US" altLang="zh-TW" dirty="0" err="1"/>
+              <a:t>Sjögren</a:t>
+            </a:r>
+            <a:r>
+              <a:rPr lang="en-US" altLang="zh-TW" dirty="0"/>
+              <a:t> OR </a:t>
+            </a:r>
+            <a:r>
+              <a:rPr lang="en-US" altLang="zh-TW" dirty="0" err="1"/>
+              <a:t>Sjogren’s</a:t>
+            </a:r>
+            <a:r>
+              <a:rPr lang="en-US" altLang="zh-TW" dirty="0"/>
+              <a:t> OR </a:t>
+            </a:r>
+            <a:r>
+              <a:rPr lang="en-US" altLang="zh-TW" dirty="0" err="1"/>
+              <a:t>Sjögren’s</a:t>
+            </a:r>
+            <a:r>
+              <a:rPr lang="en-US" altLang="zh-TW" dirty="0"/>
+              <a:t> OR allergy OR allergies) AND ("Hormone Therapy" OR Prevention)      </a:t>
+            </a:r>
+            <a:endParaRPr lang="zh-TW" altLang="zh-TW" dirty="0"/>
+          </a:p>
+          <a:p>
+            <a:pPr lvl="1"/>
+            <a:r>
+              <a:rPr lang="en-US" altLang="zh-TW" dirty="0"/>
+              <a:t>with Cochrane Library publication date from Jan 2015 to present, (Word variations have been searched)</a:t>
+            </a:r>
+            <a:endParaRPr lang="zh-TW" altLang="zh-TW" dirty="0"/>
+          </a:p>
+          <a:p>
+            <a:pPr lvl="1"/>
+            <a:r>
+              <a:rPr lang="en-US" altLang="zh-TW" dirty="0"/>
+              <a:t>4 Cochrane Reviews: </a:t>
+            </a:r>
+            <a:r>
+              <a:rPr lang="en-US" altLang="zh-TW" dirty="0">
+                <a:solidFill>
+                  <a:srgbClr val="0070C0"/>
+                </a:solidFill>
+              </a:rPr>
+              <a:t>citation-export (Cochrane Review).</a:t>
+            </a:r>
+            <a:r>
+              <a:rPr lang="en-US" altLang="zh-TW" dirty="0" err="1">
+                <a:solidFill>
+                  <a:srgbClr val="0070C0"/>
+                </a:solidFill>
+              </a:rPr>
+              <a:t>ris</a:t>
+            </a:r>
+            <a:endParaRPr lang="zh-TW" altLang="zh-TW" dirty="0">
+              <a:solidFill>
+                <a:srgbClr val="0070C0"/>
+              </a:solidFill>
+            </a:endParaRPr>
+          </a:p>
+          <a:p>
+            <a:pPr lvl="1"/>
+            <a:r>
+              <a:rPr lang="en-US" altLang="zh-TW" dirty="0"/>
+              <a:t>7</a:t>
+            </a:r>
+            <a:r>
+              <a:rPr lang="en-US" altLang="zh-TW" dirty="0" smtClean="0"/>
+              <a:t>8 Trials: </a:t>
+            </a:r>
+            <a:r>
+              <a:rPr lang="en-US" altLang="zh-TW" dirty="0">
+                <a:solidFill>
+                  <a:srgbClr val="0070C0"/>
+                </a:solidFill>
+              </a:rPr>
+              <a:t>citation-exports(</a:t>
+            </a:r>
+            <a:r>
+              <a:rPr lang="en-US" altLang="zh-TW" dirty="0" err="1">
+                <a:solidFill>
+                  <a:srgbClr val="0070C0"/>
+                </a:solidFill>
+              </a:rPr>
+              <a:t>CochraneTrials</a:t>
+            </a:r>
+            <a:r>
+              <a:rPr lang="en-US" altLang="zh-TW" dirty="0">
+                <a:solidFill>
+                  <a:srgbClr val="0070C0"/>
+                </a:solidFill>
+              </a:rPr>
+              <a:t>).</a:t>
+            </a:r>
+            <a:r>
+              <a:rPr lang="en-US" altLang="zh-TW" dirty="0" err="1">
+                <a:solidFill>
+                  <a:srgbClr val="0070C0"/>
+                </a:solidFill>
+              </a:rPr>
+              <a:t>ris</a:t>
+            </a:r>
+            <a:endParaRPr lang="en-US" altLang="zh-TW" dirty="0" smtClean="0">
+              <a:solidFill>
+                <a:srgbClr val="0070C0"/>
+              </a:solidFill>
+            </a:endParaRPr>
+          </a:p>
+          <a:p>
+            <a:r>
+              <a:rPr lang="en-US" altLang="zh-TW" b="1" dirty="0"/>
+              <a:t>0</a:t>
+            </a:r>
+            <a:r>
+              <a:rPr lang="en-US" altLang="zh-TW" dirty="0"/>
+              <a:t> results matching </a:t>
+            </a:r>
+            <a:r>
+              <a:rPr lang="en-US" altLang="zh-TW" b="1" dirty="0"/>
+              <a:t>'</a:t>
+            </a:r>
+            <a:r>
+              <a:rPr lang="en-US" altLang="zh-TW" b="1" u="sng" dirty="0"/>
+              <a:t>Intervention</a:t>
+            </a:r>
+            <a:r>
+              <a:rPr lang="en-US" altLang="zh-TW" b="1" dirty="0"/>
+              <a:t> "Estrogens" AND </a:t>
+            </a:r>
+            <a:r>
+              <a:rPr lang="en-US" altLang="zh-TW" b="1" u="sng" dirty="0"/>
+              <a:t>Outcome</a:t>
+            </a:r>
+            <a:r>
+              <a:rPr lang="en-US" altLang="zh-TW" b="1" dirty="0"/>
+              <a:t> ( "Autoimmune Disease" OR "Lupus </a:t>
+            </a:r>
+            <a:r>
+              <a:rPr lang="en-US" altLang="zh-TW" b="1" dirty="0" err="1"/>
+              <a:t>Erythematosus</a:t>
+            </a:r>
+            <a:r>
+              <a:rPr lang="en-US" altLang="zh-TW" b="1" dirty="0"/>
+              <a:t>" OR "Multiple Sclerosis" OR "Rheumatoid Arthritis</a:t>
+            </a:r>
+            <a:r>
+              <a:rPr lang="en-US" altLang="zh-TW" b="1" dirty="0" smtClean="0"/>
+              <a:t>")'</a:t>
+            </a:r>
+            <a:endParaRPr lang="en-US" altLang="zh-TW" dirty="0" smtClean="0"/>
+          </a:p>
+        </p:txBody>
+      </p:sp>
     </p:spTree>
     <p:extLst>
       <p:ext uri="{BB962C8B-B14F-4D97-AF65-F5344CB8AC3E}">
-        <p14:creationId xmlns:p14="http://schemas.microsoft.com/office/powerpoint/2010/main" val="1138719741"/>
+        <p14:creationId xmlns:p14="http://schemas.microsoft.com/office/powerpoint/2010/main" val="1641761449"/>
       </p:ext>
     </p:extLst>
   </p:cSld>
